--- a/asset/ppt/ch10_graph.pptx
+++ b/asset/ppt/ch10_graph.pptx
@@ -7,6 +7,7 @@
   <p:sldIdLst>
     <p:sldId id="256" r:id="rId2"/>
     <p:sldId id="257" r:id="rId3"/>
+    <p:sldId id="259" r:id="rId4"/>
   </p:sldIdLst>
   <p:sldSz cx="12192000" cy="6858000"/>
   <p:notesSz cx="6858000" cy="9144000"/>
@@ -260,7 +261,7 @@
           <a:p>
             <a:fld id="{89851C12-1240-5B46-BD94-A3C3FBB79758}" type="datetimeFigureOut">
               <a:rPr kumimoji="1" lang="zh-TW" altLang="en-US" smtClean="0"/>
-              <a:t>2026/2/2</a:t>
+              <a:t>2026/2/3</a:t>
             </a:fld>
             <a:endParaRPr kumimoji="1" lang="zh-TW" altLang="en-US"/>
           </a:p>
@@ -458,7 +459,7 @@
           <a:p>
             <a:fld id="{89851C12-1240-5B46-BD94-A3C3FBB79758}" type="datetimeFigureOut">
               <a:rPr kumimoji="1" lang="zh-TW" altLang="en-US" smtClean="0"/>
-              <a:t>2026/2/2</a:t>
+              <a:t>2026/2/3</a:t>
             </a:fld>
             <a:endParaRPr kumimoji="1" lang="zh-TW" altLang="en-US"/>
           </a:p>
@@ -666,7 +667,7 @@
           <a:p>
             <a:fld id="{89851C12-1240-5B46-BD94-A3C3FBB79758}" type="datetimeFigureOut">
               <a:rPr kumimoji="1" lang="zh-TW" altLang="en-US" smtClean="0"/>
-              <a:t>2026/2/2</a:t>
+              <a:t>2026/2/3</a:t>
             </a:fld>
             <a:endParaRPr kumimoji="1" lang="zh-TW" altLang="en-US"/>
           </a:p>
@@ -864,7 +865,7 @@
           <a:p>
             <a:fld id="{89851C12-1240-5B46-BD94-A3C3FBB79758}" type="datetimeFigureOut">
               <a:rPr kumimoji="1" lang="zh-TW" altLang="en-US" smtClean="0"/>
-              <a:t>2026/2/2</a:t>
+              <a:t>2026/2/3</a:t>
             </a:fld>
             <a:endParaRPr kumimoji="1" lang="zh-TW" altLang="en-US"/>
           </a:p>
@@ -1139,7 +1140,7 @@
           <a:p>
             <a:fld id="{89851C12-1240-5B46-BD94-A3C3FBB79758}" type="datetimeFigureOut">
               <a:rPr kumimoji="1" lang="zh-TW" altLang="en-US" smtClean="0"/>
-              <a:t>2026/2/2</a:t>
+              <a:t>2026/2/3</a:t>
             </a:fld>
             <a:endParaRPr kumimoji="1" lang="zh-TW" altLang="en-US"/>
           </a:p>
@@ -1404,7 +1405,7 @@
           <a:p>
             <a:fld id="{89851C12-1240-5B46-BD94-A3C3FBB79758}" type="datetimeFigureOut">
               <a:rPr kumimoji="1" lang="zh-TW" altLang="en-US" smtClean="0"/>
-              <a:t>2026/2/2</a:t>
+              <a:t>2026/2/3</a:t>
             </a:fld>
             <a:endParaRPr kumimoji="1" lang="zh-TW" altLang="en-US"/>
           </a:p>
@@ -1816,7 +1817,7 @@
           <a:p>
             <a:fld id="{89851C12-1240-5B46-BD94-A3C3FBB79758}" type="datetimeFigureOut">
               <a:rPr kumimoji="1" lang="zh-TW" altLang="en-US" smtClean="0"/>
-              <a:t>2026/2/2</a:t>
+              <a:t>2026/2/3</a:t>
             </a:fld>
             <a:endParaRPr kumimoji="1" lang="zh-TW" altLang="en-US"/>
           </a:p>
@@ -1957,7 +1958,7 @@
           <a:p>
             <a:fld id="{89851C12-1240-5B46-BD94-A3C3FBB79758}" type="datetimeFigureOut">
               <a:rPr kumimoji="1" lang="zh-TW" altLang="en-US" smtClean="0"/>
-              <a:t>2026/2/2</a:t>
+              <a:t>2026/2/3</a:t>
             </a:fld>
             <a:endParaRPr kumimoji="1" lang="zh-TW" altLang="en-US"/>
           </a:p>
@@ -2070,7 +2071,7 @@
           <a:p>
             <a:fld id="{89851C12-1240-5B46-BD94-A3C3FBB79758}" type="datetimeFigureOut">
               <a:rPr kumimoji="1" lang="zh-TW" altLang="en-US" smtClean="0"/>
-              <a:t>2026/2/2</a:t>
+              <a:t>2026/2/3</a:t>
             </a:fld>
             <a:endParaRPr kumimoji="1" lang="zh-TW" altLang="en-US"/>
           </a:p>
@@ -2381,7 +2382,7 @@
           <a:p>
             <a:fld id="{89851C12-1240-5B46-BD94-A3C3FBB79758}" type="datetimeFigureOut">
               <a:rPr kumimoji="1" lang="zh-TW" altLang="en-US" smtClean="0"/>
-              <a:t>2026/2/2</a:t>
+              <a:t>2026/2/3</a:t>
             </a:fld>
             <a:endParaRPr kumimoji="1" lang="zh-TW" altLang="en-US"/>
           </a:p>
@@ -2669,7 +2670,7 @@
           <a:p>
             <a:fld id="{89851C12-1240-5B46-BD94-A3C3FBB79758}" type="datetimeFigureOut">
               <a:rPr kumimoji="1" lang="zh-TW" altLang="en-US" smtClean="0"/>
-              <a:t>2026/2/2</a:t>
+              <a:t>2026/2/3</a:t>
             </a:fld>
             <a:endParaRPr kumimoji="1" lang="zh-TW" altLang="en-US"/>
           </a:p>
@@ -2910,7 +2911,7 @@
           <a:p>
             <a:fld id="{89851C12-1240-5B46-BD94-A3C3FBB79758}" type="datetimeFigureOut">
               <a:rPr kumimoji="1" lang="zh-TW" altLang="en-US" smtClean="0"/>
-              <a:t>2026/2/2</a:t>
+              <a:t>2026/2/3</a:t>
             </a:fld>
             <a:endParaRPr kumimoji="1" lang="zh-TW" altLang="en-US"/>
           </a:p>
@@ -3490,6 +3491,561 @@
 </p:sld>
 </file>
 
+<file path=ppt/slides/slide3.xml><?xml version="1.0" encoding="utf-8"?>
+<p:sld xmlns:a="http://schemas.openxmlformats.org/drawingml/2006/main" xmlns:r="http://schemas.openxmlformats.org/officeDocument/2006/relationships" xmlns:p="http://schemas.openxmlformats.org/presentationml/2006/main">
+  <p:cSld>
+    <p:spTree>
+      <p:nvGrpSpPr>
+        <p:cNvPr id="1" name=""/>
+        <p:cNvGrpSpPr/>
+        <p:nvPr/>
+      </p:nvGrpSpPr>
+      <p:grpSpPr>
+        <a:xfrm>
+          <a:off x="0" y="0"/>
+          <a:ext cx="0" cy="0"/>
+          <a:chOff x="0" y="0"/>
+          <a:chExt cx="0" cy="0"/>
+        </a:xfrm>
+      </p:grpSpPr>
+      <p:sp>
+        <p:nvSpPr>
+          <p:cNvPr id="4" name="矩形 3">
+            <a:extLst>
+              <a:ext uri="{FF2B5EF4-FFF2-40B4-BE49-F238E27FC236}">
+                <a16:creationId xmlns:a16="http://schemas.microsoft.com/office/drawing/2014/main" id="{A843311B-F758-437D-7E41-2DB1ADE15C31}"/>
+              </a:ext>
+            </a:extLst>
+          </p:cNvPr>
+          <p:cNvSpPr/>
+          <p:nvPr/>
+        </p:nvSpPr>
+        <p:spPr>
+          <a:xfrm>
+            <a:off x="2336888" y="684473"/>
+            <a:ext cx="3062124" cy="1474111"/>
+          </a:xfrm>
+          <a:prstGeom prst="rect">
+            <a:avLst/>
+          </a:prstGeom>
+          <a:solidFill>
+            <a:schemeClr val="accent2">
+              <a:lumMod val="40000"/>
+              <a:lumOff val="60000"/>
+            </a:schemeClr>
+          </a:solidFill>
+        </p:spPr>
+        <p:style>
+          <a:lnRef idx="2">
+            <a:schemeClr val="accent1">
+              <a:shade val="15000"/>
+            </a:schemeClr>
+          </a:lnRef>
+          <a:fillRef idx="1">
+            <a:schemeClr val="accent1"/>
+          </a:fillRef>
+          <a:effectRef idx="0">
+            <a:schemeClr val="accent1"/>
+          </a:effectRef>
+          <a:fontRef idx="minor">
+            <a:schemeClr val="lt1"/>
+          </a:fontRef>
+        </p:style>
+        <p:txBody>
+          <a:bodyPr rtlCol="0" anchor="ctr"/>
+          <a:lstStyle/>
+          <a:p>
+            <a:pPr algn="ctr"/>
+            <a:r>
+              <a:rPr kumimoji="1" lang="en-US" altLang="zh-TW" sz="1600" b="1" dirty="0">
+                <a:solidFill>
+                  <a:schemeClr val="tx1"/>
+                </a:solidFill>
+                <a:latin typeface="Courier New" panose="02070309020205020404" pitchFamily="49" charset="0"/>
+                <a:cs typeface="Courier New" panose="02070309020205020404" pitchFamily="49" charset="0"/>
+              </a:rPr>
+              <a:t>Vertex </a:t>
+            </a:r>
+          </a:p>
+          <a:p>
+            <a:r>
+              <a:rPr kumimoji="1" lang="en-US" altLang="zh-TW" sz="1400" dirty="0">
+                <a:solidFill>
+                  <a:schemeClr val="tx1"/>
+                </a:solidFill>
+                <a:latin typeface="Courier New" panose="02070309020205020404" pitchFamily="49" charset="0"/>
+                <a:cs typeface="Courier New" panose="02070309020205020404" pitchFamily="49" charset="0"/>
+              </a:rPr>
+              <a:t>Attribute</a:t>
+            </a:r>
+          </a:p>
+          <a:p>
+            <a:pPr marL="285750" indent="-285750">
+              <a:buFontTx/>
+              <a:buChar char="-"/>
+            </a:pPr>
+            <a:r>
+              <a:rPr kumimoji="1" lang="en-US" altLang="zh-TW" sz="1400" dirty="0">
+                <a:solidFill>
+                  <a:schemeClr val="tx1"/>
+                </a:solidFill>
+                <a:latin typeface="Courier New" panose="02070309020205020404" pitchFamily="49" charset="0"/>
+                <a:cs typeface="Courier New" panose="02070309020205020404" pitchFamily="49" charset="0"/>
+              </a:rPr>
+              <a:t>key</a:t>
+            </a:r>
+          </a:p>
+          <a:p>
+            <a:pPr marL="285750" indent="-285750">
+              <a:buFontTx/>
+              <a:buChar char="-"/>
+            </a:pPr>
+            <a:r>
+              <a:rPr kumimoji="1" lang="en-US" altLang="zh-TW" sz="1400" dirty="0" err="1">
+                <a:solidFill>
+                  <a:schemeClr val="tx1"/>
+                </a:solidFill>
+                <a:latin typeface="Courier New" panose="02070309020205020404" pitchFamily="49" charset="0"/>
+                <a:cs typeface="Courier New" panose="02070309020205020404" pitchFamily="49" charset="0"/>
+              </a:rPr>
+              <a:t>adjacency_list</a:t>
+            </a:r>
+            <a:endParaRPr kumimoji="1" lang="en-US" altLang="zh-TW" sz="1400" dirty="0">
+              <a:solidFill>
+                <a:schemeClr val="tx1"/>
+              </a:solidFill>
+              <a:latin typeface="Courier New" panose="02070309020205020404" pitchFamily="49" charset="0"/>
+              <a:cs typeface="Courier New" panose="02070309020205020404" pitchFamily="49" charset="0"/>
+            </a:endParaRPr>
+          </a:p>
+        </p:txBody>
+      </p:sp>
+      <p:sp>
+        <p:nvSpPr>
+          <p:cNvPr id="19" name="向右箭號 18">
+            <a:extLst>
+              <a:ext uri="{FF2B5EF4-FFF2-40B4-BE49-F238E27FC236}">
+                <a16:creationId xmlns:a16="http://schemas.microsoft.com/office/drawing/2014/main" id="{98852B0A-32FF-3D64-2D36-1DC77C61D76C}"/>
+              </a:ext>
+            </a:extLst>
+          </p:cNvPr>
+          <p:cNvSpPr/>
+          <p:nvPr/>
+        </p:nvSpPr>
+        <p:spPr>
+          <a:xfrm>
+            <a:off x="5433880" y="1344339"/>
+            <a:ext cx="1440000" cy="252000"/>
+          </a:xfrm>
+          <a:prstGeom prst="rightArrow">
+            <a:avLst/>
+          </a:prstGeom>
+        </p:spPr>
+        <p:style>
+          <a:lnRef idx="2">
+            <a:schemeClr val="accent1">
+              <a:shade val="15000"/>
+            </a:schemeClr>
+          </a:lnRef>
+          <a:fillRef idx="1">
+            <a:schemeClr val="accent1"/>
+          </a:fillRef>
+          <a:effectRef idx="0">
+            <a:schemeClr val="accent1"/>
+          </a:effectRef>
+          <a:fontRef idx="minor">
+            <a:schemeClr val="lt1"/>
+          </a:fontRef>
+        </p:style>
+        <p:txBody>
+          <a:bodyPr rtlCol="0" anchor="ctr"/>
+          <a:lstStyle/>
+          <a:p>
+            <a:pPr algn="ctr"/>
+            <a:endParaRPr kumimoji="1" lang="zh-TW" altLang="en-US" sz="1400" dirty="0">
+              <a:latin typeface="Courier New" panose="02070309020205020404" pitchFamily="49" charset="0"/>
+              <a:cs typeface="Courier New" panose="02070309020205020404" pitchFamily="49" charset="0"/>
+            </a:endParaRPr>
+          </a:p>
+        </p:txBody>
+      </p:sp>
+      <p:sp>
+        <p:nvSpPr>
+          <p:cNvPr id="2" name="矩形 1">
+            <a:extLst>
+              <a:ext uri="{FF2B5EF4-FFF2-40B4-BE49-F238E27FC236}">
+                <a16:creationId xmlns:a16="http://schemas.microsoft.com/office/drawing/2014/main" id="{F5E08F4C-B6D2-F367-EB68-3A04DFC13614}"/>
+              </a:ext>
+            </a:extLst>
+          </p:cNvPr>
+          <p:cNvSpPr/>
+          <p:nvPr/>
+        </p:nvSpPr>
+        <p:spPr>
+          <a:xfrm>
+            <a:off x="2336888" y="2256022"/>
+            <a:ext cx="3062124" cy="1326628"/>
+          </a:xfrm>
+          <a:prstGeom prst="rect">
+            <a:avLst/>
+          </a:prstGeom>
+          <a:solidFill>
+            <a:schemeClr val="accent1"/>
+          </a:solidFill>
+        </p:spPr>
+        <p:style>
+          <a:lnRef idx="2">
+            <a:schemeClr val="accent1">
+              <a:shade val="15000"/>
+            </a:schemeClr>
+          </a:lnRef>
+          <a:fillRef idx="1">
+            <a:schemeClr val="accent1"/>
+          </a:fillRef>
+          <a:effectRef idx="0">
+            <a:schemeClr val="accent1"/>
+          </a:effectRef>
+          <a:fontRef idx="minor">
+            <a:schemeClr val="lt1"/>
+          </a:fontRef>
+        </p:style>
+        <p:txBody>
+          <a:bodyPr rtlCol="0" anchor="ctr"/>
+          <a:lstStyle/>
+          <a:p>
+            <a:pPr algn="ctr">
+              <a:spcAft>
+                <a:spcPts val="600"/>
+              </a:spcAft>
+            </a:pPr>
+            <a:r>
+              <a:rPr kumimoji="1" lang="en-US" altLang="zh-TW" sz="1400" b="1" dirty="0">
+                <a:solidFill>
+                  <a:schemeClr val="bg1"/>
+                </a:solidFill>
+                <a:latin typeface="Courier New" panose="02070309020205020404" pitchFamily="49" charset="0"/>
+                <a:cs typeface="Courier New" panose="02070309020205020404" pitchFamily="49" charset="0"/>
+              </a:rPr>
+              <a:t>Helper Methods</a:t>
+            </a:r>
+          </a:p>
+          <a:p>
+            <a:pPr marL="171450" indent="-171450">
+              <a:buFontTx/>
+              <a:buChar char="-"/>
+            </a:pPr>
+            <a:r>
+              <a:rPr kumimoji="1" lang="en-US" altLang="zh-TW" sz="1400" dirty="0">
+                <a:solidFill>
+                  <a:schemeClr val="bg1"/>
+                </a:solidFill>
+                <a:latin typeface="Courier New" panose="02070309020205020404" pitchFamily="49" charset="0"/>
+                <a:cs typeface="Courier New" panose="02070309020205020404" pitchFamily="49" charset="0"/>
+              </a:rPr>
+              <a:t>__</a:t>
+            </a:r>
+            <a:r>
+              <a:rPr kumimoji="1" lang="en-US" altLang="zh-TW" sz="1400" dirty="0" err="1">
+                <a:solidFill>
+                  <a:schemeClr val="bg1"/>
+                </a:solidFill>
+                <a:latin typeface="Courier New" panose="02070309020205020404" pitchFamily="49" charset="0"/>
+                <a:cs typeface="Courier New" panose="02070309020205020404" pitchFamily="49" charset="0"/>
+              </a:rPr>
+              <a:t>init</a:t>
+            </a:r>
+            <a:r>
+              <a:rPr kumimoji="1" lang="en-US" altLang="zh-TW" sz="1400" dirty="0">
+                <a:solidFill>
+                  <a:schemeClr val="bg1"/>
+                </a:solidFill>
+                <a:latin typeface="Courier New" panose="02070309020205020404" pitchFamily="49" charset="0"/>
+                <a:cs typeface="Courier New" panose="02070309020205020404" pitchFamily="49" charset="0"/>
+              </a:rPr>
+              <a:t>__()</a:t>
+            </a:r>
+          </a:p>
+          <a:p>
+            <a:pPr marL="171450" indent="-171450">
+              <a:buFontTx/>
+              <a:buChar char="-"/>
+            </a:pPr>
+            <a:r>
+              <a:rPr kumimoji="1" lang="en-US" altLang="zh-TW" sz="1400" dirty="0">
+                <a:solidFill>
+                  <a:schemeClr val="bg1"/>
+                </a:solidFill>
+                <a:latin typeface="Courier New" panose="02070309020205020404" pitchFamily="49" charset="0"/>
+                <a:cs typeface="Courier New" panose="02070309020205020404" pitchFamily="49" charset="0"/>
+              </a:rPr>
+              <a:t>__eq__()</a:t>
+            </a:r>
+          </a:p>
+          <a:p>
+            <a:pPr marL="171450" indent="-171450">
+              <a:buFontTx/>
+              <a:buChar char="-"/>
+            </a:pPr>
+            <a:r>
+              <a:rPr kumimoji="1" lang="en-US" altLang="zh-TW" sz="1400" dirty="0">
+                <a:solidFill>
+                  <a:schemeClr val="bg1"/>
+                </a:solidFill>
+                <a:latin typeface="Courier New" panose="02070309020205020404" pitchFamily="49" charset="0"/>
+                <a:cs typeface="Courier New" panose="02070309020205020404" pitchFamily="49" charset="0"/>
+              </a:rPr>
+              <a:t>__str__()</a:t>
+            </a:r>
+          </a:p>
+          <a:p>
+            <a:pPr marL="171450" indent="-171450">
+              <a:buFontTx/>
+              <a:buChar char="-"/>
+            </a:pPr>
+            <a:r>
+              <a:rPr kumimoji="1" lang="en-US" altLang="zh-TW" sz="1400" dirty="0">
+                <a:solidFill>
+                  <a:schemeClr val="bg1"/>
+                </a:solidFill>
+                <a:latin typeface="Courier New" panose="02070309020205020404" pitchFamily="49" charset="0"/>
+                <a:cs typeface="Courier New" panose="02070309020205020404" pitchFamily="49" charset="0"/>
+              </a:rPr>
+              <a:t>__</a:t>
+            </a:r>
+            <a:r>
+              <a:rPr kumimoji="1" lang="en-US" altLang="zh-TW" sz="1400" dirty="0" err="1">
+                <a:solidFill>
+                  <a:schemeClr val="bg1"/>
+                </a:solidFill>
+                <a:latin typeface="Courier New" panose="02070309020205020404" pitchFamily="49" charset="0"/>
+                <a:cs typeface="Courier New" panose="02070309020205020404" pitchFamily="49" charset="0"/>
+              </a:rPr>
+              <a:t>repr</a:t>
+            </a:r>
+            <a:r>
+              <a:rPr kumimoji="1" lang="en-US" altLang="zh-TW" sz="1400" dirty="0">
+                <a:solidFill>
+                  <a:schemeClr val="bg1"/>
+                </a:solidFill>
+                <a:latin typeface="Courier New" panose="02070309020205020404" pitchFamily="49" charset="0"/>
+                <a:cs typeface="Courier New" panose="02070309020205020404" pitchFamily="49" charset="0"/>
+              </a:rPr>
+              <a:t>__()</a:t>
+            </a:r>
+          </a:p>
+        </p:txBody>
+      </p:sp>
+      <p:grpSp>
+        <p:nvGrpSpPr>
+          <p:cNvPr id="25" name="群組 24">
+            <a:extLst>
+              <a:ext uri="{FF2B5EF4-FFF2-40B4-BE49-F238E27FC236}">
+                <a16:creationId xmlns:a16="http://schemas.microsoft.com/office/drawing/2014/main" id="{5081C212-4B76-3F20-3B7A-7615CC9575DE}"/>
+              </a:ext>
+            </a:extLst>
+          </p:cNvPr>
+          <p:cNvGrpSpPr/>
+          <p:nvPr/>
+        </p:nvGrpSpPr>
+        <p:grpSpPr>
+          <a:xfrm>
+            <a:off x="309282" y="893331"/>
+            <a:ext cx="2027606" cy="738664"/>
+            <a:chOff x="7702452" y="2114897"/>
+            <a:chExt cx="2027606" cy="738664"/>
+          </a:xfrm>
+        </p:grpSpPr>
+        <p:sp>
+          <p:nvSpPr>
+            <p:cNvPr id="23" name="向右箭號 22">
+              <a:extLst>
+                <a:ext uri="{FF2B5EF4-FFF2-40B4-BE49-F238E27FC236}">
+                  <a16:creationId xmlns:a16="http://schemas.microsoft.com/office/drawing/2014/main" id="{5F866B30-F7CD-06C2-C06D-CE8DF48C12D5}"/>
+                </a:ext>
+              </a:extLst>
+            </p:cNvPr>
+            <p:cNvSpPr/>
+            <p:nvPr/>
+          </p:nvSpPr>
+          <p:spPr>
+            <a:xfrm>
+              <a:off x="8006211" y="2628588"/>
+              <a:ext cx="1723847" cy="189317"/>
+            </a:xfrm>
+            <a:prstGeom prst="rightArrow">
+              <a:avLst/>
+            </a:prstGeom>
+          </p:spPr>
+          <p:style>
+            <a:lnRef idx="2">
+              <a:schemeClr val="accent1">
+                <a:shade val="15000"/>
+              </a:schemeClr>
+            </a:lnRef>
+            <a:fillRef idx="1">
+              <a:schemeClr val="accent1"/>
+            </a:fillRef>
+            <a:effectRef idx="0">
+              <a:schemeClr val="accent1"/>
+            </a:effectRef>
+            <a:fontRef idx="minor">
+              <a:schemeClr val="lt1"/>
+            </a:fontRef>
+          </p:style>
+          <p:txBody>
+            <a:bodyPr rtlCol="0" anchor="ctr"/>
+            <a:lstStyle/>
+            <a:p>
+              <a:pPr algn="ctr"/>
+              <a:endParaRPr kumimoji="1" lang="zh-TW" altLang="en-US" sz="1400" dirty="0">
+                <a:latin typeface="Courier New" panose="02070309020205020404" pitchFamily="49" charset="0"/>
+                <a:cs typeface="Courier New" panose="02070309020205020404" pitchFamily="49" charset="0"/>
+              </a:endParaRPr>
+            </a:p>
+          </p:txBody>
+        </p:sp>
+        <p:sp>
+          <p:nvSpPr>
+            <p:cNvPr id="24" name="文字方塊 23">
+              <a:extLst>
+                <a:ext uri="{FF2B5EF4-FFF2-40B4-BE49-F238E27FC236}">
+                  <a16:creationId xmlns:a16="http://schemas.microsoft.com/office/drawing/2014/main" id="{A93E15F7-2AEC-001A-0AEB-7B04D1566461}"/>
+                </a:ext>
+              </a:extLst>
+            </p:cNvPr>
+            <p:cNvSpPr txBox="1"/>
+            <p:nvPr/>
+          </p:nvSpPr>
+          <p:spPr>
+            <a:xfrm>
+              <a:off x="7702452" y="2114897"/>
+              <a:ext cx="2027606" cy="738664"/>
+            </a:xfrm>
+            <a:prstGeom prst="rect">
+              <a:avLst/>
+            </a:prstGeom>
+            <a:noFill/>
+          </p:spPr>
+          <p:txBody>
+            <a:bodyPr wrap="square">
+              <a:spAutoFit/>
+            </a:bodyPr>
+            <a:lstStyle/>
+            <a:p>
+              <a:r>
+                <a:rPr kumimoji="1" lang="en-US" altLang="zh-TW" sz="1400" dirty="0" err="1">
+                  <a:latin typeface="Courier New" panose="02070309020205020404" pitchFamily="49" charset="0"/>
+                  <a:cs typeface="Courier New" panose="02070309020205020404" pitchFamily="49" charset="0"/>
+                </a:rPr>
+                <a:t>add_edge_to</a:t>
+              </a:r>
+              <a:r>
+                <a:rPr kumimoji="1" lang="en-US" altLang="zh-TW" sz="1400" dirty="0">
+                  <a:latin typeface="Courier New" panose="02070309020205020404" pitchFamily="49" charset="0"/>
+                  <a:cs typeface="Courier New" panose="02070309020205020404" pitchFamily="49" charset="0"/>
+                </a:rPr>
+                <a:t>()</a:t>
+              </a:r>
+            </a:p>
+            <a:p>
+              <a:r>
+                <a:rPr kumimoji="1" lang="en-US" altLang="zh-TW" sz="1400" dirty="0" err="1">
+                  <a:latin typeface="Courier New" panose="02070309020205020404" pitchFamily="49" charset="0"/>
+                  <a:cs typeface="Courier New" panose="02070309020205020404" pitchFamily="49" charset="0"/>
+                </a:rPr>
+                <a:t>delete_edge_from</a:t>
+              </a:r>
+              <a:r>
+                <a:rPr kumimoji="1" lang="en-US" altLang="zh-TW" sz="1400" dirty="0">
+                  <a:latin typeface="Courier New" panose="02070309020205020404" pitchFamily="49" charset="0"/>
+                  <a:cs typeface="Courier New" panose="02070309020205020404" pitchFamily="49" charset="0"/>
+                </a:rPr>
+                <a:t>()</a:t>
+              </a:r>
+            </a:p>
+            <a:p>
+              <a:endParaRPr kumimoji="1" lang="en-US" altLang="zh-TW" sz="1400" dirty="0">
+                <a:latin typeface="Courier New" panose="02070309020205020404" pitchFamily="49" charset="0"/>
+                <a:cs typeface="Courier New" panose="02070309020205020404" pitchFamily="49" charset="0"/>
+              </a:endParaRPr>
+            </a:p>
+          </p:txBody>
+        </p:sp>
+      </p:grpSp>
+      <p:sp>
+        <p:nvSpPr>
+          <p:cNvPr id="3" name="文字方塊 2">
+            <a:extLst>
+              <a:ext uri="{FF2B5EF4-FFF2-40B4-BE49-F238E27FC236}">
+                <a16:creationId xmlns:a16="http://schemas.microsoft.com/office/drawing/2014/main" id="{1E925A2F-5D14-D9B5-28FD-D7A601DE4D92}"/>
+              </a:ext>
+            </a:extLst>
+          </p:cNvPr>
+          <p:cNvSpPr txBox="1"/>
+          <p:nvPr/>
+        </p:nvSpPr>
+        <p:spPr>
+          <a:xfrm>
+            <a:off x="5412459" y="818101"/>
+            <a:ext cx="2064106" cy="523220"/>
+          </a:xfrm>
+          <a:prstGeom prst="rect">
+            <a:avLst/>
+          </a:prstGeom>
+          <a:noFill/>
+        </p:spPr>
+        <p:txBody>
+          <a:bodyPr wrap="square">
+            <a:spAutoFit/>
+          </a:bodyPr>
+          <a:lstStyle/>
+          <a:p>
+            <a:r>
+              <a:rPr kumimoji="1" lang="en-US" altLang="zh-TW" sz="1400" dirty="0" err="1">
+                <a:latin typeface="Courier New" panose="02070309020205020404" pitchFamily="49" charset="0"/>
+                <a:cs typeface="Courier New" panose="02070309020205020404" pitchFamily="49" charset="0"/>
+              </a:rPr>
+              <a:t>has_edge_to</a:t>
+            </a:r>
+            <a:r>
+              <a:rPr kumimoji="1" lang="en-US" altLang="zh-TW" sz="1400" dirty="0">
+                <a:latin typeface="Courier New" panose="02070309020205020404" pitchFamily="49" charset="0"/>
+                <a:cs typeface="Courier New" panose="02070309020205020404" pitchFamily="49" charset="0"/>
+              </a:rPr>
+              <a:t>()</a:t>
+            </a:r>
+          </a:p>
+          <a:p>
+            <a:r>
+              <a:rPr kumimoji="1" lang="en-US" altLang="zh-TW" sz="1400" dirty="0" err="1">
+                <a:latin typeface="Courier New" panose="02070309020205020404" pitchFamily="49" charset="0"/>
+                <a:cs typeface="Courier New" panose="02070309020205020404" pitchFamily="49" charset="0"/>
+              </a:rPr>
+              <a:t>outgoing_edges</a:t>
+            </a:r>
+            <a:r>
+              <a:rPr kumimoji="1" lang="en-US" altLang="zh-TW" sz="1400" dirty="0">
+                <a:latin typeface="Courier New" panose="02070309020205020404" pitchFamily="49" charset="0"/>
+                <a:cs typeface="Courier New" panose="02070309020205020404" pitchFamily="49" charset="0"/>
+              </a:rPr>
+              <a:t>()</a:t>
+            </a:r>
+          </a:p>
+        </p:txBody>
+      </p:sp>
+    </p:spTree>
+    <p:extLst>
+      <p:ext uri="{BB962C8B-B14F-4D97-AF65-F5344CB8AC3E}">
+        <p14:creationId xmlns:p14="http://schemas.microsoft.com/office/powerpoint/2010/main" val="3935843501"/>
+      </p:ext>
+    </p:extLst>
+  </p:cSld>
+  <p:clrMapOvr>
+    <a:masterClrMapping/>
+  </p:clrMapOvr>
+</p:sld>
+</file>
+
 <file path=ppt/theme/theme1.xml><?xml version="1.0" encoding="utf-8"?>
 <a:theme xmlns:a="http://schemas.openxmlformats.org/drawingml/2006/main" name="Office 佈景主題">
   <a:themeElements>

--- a/asset/ppt/ch10_graph.pptx
+++ b/asset/ppt/ch10_graph.pptx
@@ -8,6 +8,7 @@
     <p:sldId id="256" r:id="rId2"/>
     <p:sldId id="257" r:id="rId3"/>
     <p:sldId id="259" r:id="rId4"/>
+    <p:sldId id="260" r:id="rId5"/>
   </p:sldIdLst>
   <p:sldSz cx="12192000" cy="6858000"/>
   <p:notesSz cx="6858000" cy="9144000"/>
@@ -261,7 +262,7 @@
           <a:p>
             <a:fld id="{89851C12-1240-5B46-BD94-A3C3FBB79758}" type="datetimeFigureOut">
               <a:rPr kumimoji="1" lang="zh-TW" altLang="en-US" smtClean="0"/>
-              <a:t>2026/2/3</a:t>
+              <a:t>2026/2/4</a:t>
             </a:fld>
             <a:endParaRPr kumimoji="1" lang="zh-TW" altLang="en-US"/>
           </a:p>
@@ -459,7 +460,7 @@
           <a:p>
             <a:fld id="{89851C12-1240-5B46-BD94-A3C3FBB79758}" type="datetimeFigureOut">
               <a:rPr kumimoji="1" lang="zh-TW" altLang="en-US" smtClean="0"/>
-              <a:t>2026/2/3</a:t>
+              <a:t>2026/2/4</a:t>
             </a:fld>
             <a:endParaRPr kumimoji="1" lang="zh-TW" altLang="en-US"/>
           </a:p>
@@ -667,7 +668,7 @@
           <a:p>
             <a:fld id="{89851C12-1240-5B46-BD94-A3C3FBB79758}" type="datetimeFigureOut">
               <a:rPr kumimoji="1" lang="zh-TW" altLang="en-US" smtClean="0"/>
-              <a:t>2026/2/3</a:t>
+              <a:t>2026/2/4</a:t>
             </a:fld>
             <a:endParaRPr kumimoji="1" lang="zh-TW" altLang="en-US"/>
           </a:p>
@@ -865,7 +866,7 @@
           <a:p>
             <a:fld id="{89851C12-1240-5B46-BD94-A3C3FBB79758}" type="datetimeFigureOut">
               <a:rPr kumimoji="1" lang="zh-TW" altLang="en-US" smtClean="0"/>
-              <a:t>2026/2/3</a:t>
+              <a:t>2026/2/4</a:t>
             </a:fld>
             <a:endParaRPr kumimoji="1" lang="zh-TW" altLang="en-US"/>
           </a:p>
@@ -1140,7 +1141,7 @@
           <a:p>
             <a:fld id="{89851C12-1240-5B46-BD94-A3C3FBB79758}" type="datetimeFigureOut">
               <a:rPr kumimoji="1" lang="zh-TW" altLang="en-US" smtClean="0"/>
-              <a:t>2026/2/3</a:t>
+              <a:t>2026/2/4</a:t>
             </a:fld>
             <a:endParaRPr kumimoji="1" lang="zh-TW" altLang="en-US"/>
           </a:p>
@@ -1405,7 +1406,7 @@
           <a:p>
             <a:fld id="{89851C12-1240-5B46-BD94-A3C3FBB79758}" type="datetimeFigureOut">
               <a:rPr kumimoji="1" lang="zh-TW" altLang="en-US" smtClean="0"/>
-              <a:t>2026/2/3</a:t>
+              <a:t>2026/2/4</a:t>
             </a:fld>
             <a:endParaRPr kumimoji="1" lang="zh-TW" altLang="en-US"/>
           </a:p>
@@ -1817,7 +1818,7 @@
           <a:p>
             <a:fld id="{89851C12-1240-5B46-BD94-A3C3FBB79758}" type="datetimeFigureOut">
               <a:rPr kumimoji="1" lang="zh-TW" altLang="en-US" smtClean="0"/>
-              <a:t>2026/2/3</a:t>
+              <a:t>2026/2/4</a:t>
             </a:fld>
             <a:endParaRPr kumimoji="1" lang="zh-TW" altLang="en-US"/>
           </a:p>
@@ -1958,7 +1959,7 @@
           <a:p>
             <a:fld id="{89851C12-1240-5B46-BD94-A3C3FBB79758}" type="datetimeFigureOut">
               <a:rPr kumimoji="1" lang="zh-TW" altLang="en-US" smtClean="0"/>
-              <a:t>2026/2/3</a:t>
+              <a:t>2026/2/4</a:t>
             </a:fld>
             <a:endParaRPr kumimoji="1" lang="zh-TW" altLang="en-US"/>
           </a:p>
@@ -2071,7 +2072,7 @@
           <a:p>
             <a:fld id="{89851C12-1240-5B46-BD94-A3C3FBB79758}" type="datetimeFigureOut">
               <a:rPr kumimoji="1" lang="zh-TW" altLang="en-US" smtClean="0"/>
-              <a:t>2026/2/3</a:t>
+              <a:t>2026/2/4</a:t>
             </a:fld>
             <a:endParaRPr kumimoji="1" lang="zh-TW" altLang="en-US"/>
           </a:p>
@@ -2382,7 +2383,7 @@
           <a:p>
             <a:fld id="{89851C12-1240-5B46-BD94-A3C3FBB79758}" type="datetimeFigureOut">
               <a:rPr kumimoji="1" lang="zh-TW" altLang="en-US" smtClean="0"/>
-              <a:t>2026/2/3</a:t>
+              <a:t>2026/2/4</a:t>
             </a:fld>
             <a:endParaRPr kumimoji="1" lang="zh-TW" altLang="en-US"/>
           </a:p>
@@ -2670,7 +2671,7 @@
           <a:p>
             <a:fld id="{89851C12-1240-5B46-BD94-A3C3FBB79758}" type="datetimeFigureOut">
               <a:rPr kumimoji="1" lang="zh-TW" altLang="en-US" smtClean="0"/>
-              <a:t>2026/2/3</a:t>
+              <a:t>2026/2/4</a:t>
             </a:fld>
             <a:endParaRPr kumimoji="1" lang="zh-TW" altLang="en-US"/>
           </a:p>
@@ -2911,7 +2912,7 @@
           <a:p>
             <a:fld id="{89851C12-1240-5B46-BD94-A3C3FBB79758}" type="datetimeFigureOut">
               <a:rPr kumimoji="1" lang="zh-TW" altLang="en-US" smtClean="0"/>
-              <a:t>2026/2/3</a:t>
+              <a:t>2026/2/4</a:t>
             </a:fld>
             <a:endParaRPr kumimoji="1" lang="zh-TW" altLang="en-US"/>
           </a:p>
@@ -4046,6 +4047,746 @@
 </p:sld>
 </file>
 
+<file path=ppt/slides/slide4.xml><?xml version="1.0" encoding="utf-8"?>
+<p:sld xmlns:a="http://schemas.openxmlformats.org/drawingml/2006/main" xmlns:r="http://schemas.openxmlformats.org/officeDocument/2006/relationships" xmlns:p="http://schemas.openxmlformats.org/presentationml/2006/main">
+  <p:cSld>
+    <p:spTree>
+      <p:nvGrpSpPr>
+        <p:cNvPr id="1" name="">
+          <a:extLst>
+            <a:ext uri="{FF2B5EF4-FFF2-40B4-BE49-F238E27FC236}">
+              <a16:creationId xmlns:a16="http://schemas.microsoft.com/office/drawing/2014/main" id="{8E068E30-4B91-71ED-E7E9-2DE309B4EC73}"/>
+            </a:ext>
+          </a:extLst>
+        </p:cNvPr>
+        <p:cNvGrpSpPr/>
+        <p:nvPr/>
+      </p:nvGrpSpPr>
+      <p:grpSpPr>
+        <a:xfrm>
+          <a:off x="0" y="0"/>
+          <a:ext cx="0" cy="0"/>
+          <a:chOff x="0" y="0"/>
+          <a:chExt cx="0" cy="0"/>
+        </a:xfrm>
+      </p:grpSpPr>
+      <p:sp>
+        <p:nvSpPr>
+          <p:cNvPr id="4" name="矩形 3">
+            <a:extLst>
+              <a:ext uri="{FF2B5EF4-FFF2-40B4-BE49-F238E27FC236}">
+                <a16:creationId xmlns:a16="http://schemas.microsoft.com/office/drawing/2014/main" id="{1FD99466-33FA-9D81-BAEB-5BCA87C9764A}"/>
+              </a:ext>
+            </a:extLst>
+          </p:cNvPr>
+          <p:cNvSpPr/>
+          <p:nvPr/>
+        </p:nvSpPr>
+        <p:spPr>
+          <a:xfrm>
+            <a:off x="2336888" y="1035423"/>
+            <a:ext cx="3062124" cy="2151529"/>
+          </a:xfrm>
+          <a:prstGeom prst="rect">
+            <a:avLst/>
+          </a:prstGeom>
+          <a:solidFill>
+            <a:schemeClr val="accent2">
+              <a:lumMod val="40000"/>
+              <a:lumOff val="60000"/>
+            </a:schemeClr>
+          </a:solidFill>
+        </p:spPr>
+        <p:style>
+          <a:lnRef idx="2">
+            <a:schemeClr val="accent1">
+              <a:shade val="15000"/>
+            </a:schemeClr>
+          </a:lnRef>
+          <a:fillRef idx="1">
+            <a:schemeClr val="accent1"/>
+          </a:fillRef>
+          <a:effectRef idx="0">
+            <a:schemeClr val="accent1"/>
+          </a:effectRef>
+          <a:fontRef idx="minor">
+            <a:schemeClr val="lt1"/>
+          </a:fontRef>
+        </p:style>
+        <p:txBody>
+          <a:bodyPr rtlCol="0" anchor="ctr"/>
+          <a:lstStyle/>
+          <a:p>
+            <a:pPr algn="ctr"/>
+            <a:r>
+              <a:rPr kumimoji="1" lang="en-US" altLang="zh-TW" sz="1600" b="1" dirty="0">
+                <a:solidFill>
+                  <a:schemeClr val="tx1"/>
+                </a:solidFill>
+                <a:latin typeface="Courier New" panose="02070309020205020404" pitchFamily="49" charset="0"/>
+                <a:cs typeface="Courier New" panose="02070309020205020404" pitchFamily="49" charset="0"/>
+              </a:rPr>
+              <a:t>Graph </a:t>
+            </a:r>
+          </a:p>
+          <a:p>
+            <a:r>
+              <a:rPr kumimoji="1" lang="en-US" altLang="zh-TW" sz="1400" dirty="0">
+                <a:solidFill>
+                  <a:schemeClr val="tx1"/>
+                </a:solidFill>
+                <a:latin typeface="Courier New" panose="02070309020205020404" pitchFamily="49" charset="0"/>
+                <a:cs typeface="Courier New" panose="02070309020205020404" pitchFamily="49" charset="0"/>
+              </a:rPr>
+              <a:t>Attribute</a:t>
+            </a:r>
+          </a:p>
+          <a:p>
+            <a:pPr marL="285750" indent="-285750">
+              <a:buFontTx/>
+              <a:buChar char="-"/>
+            </a:pPr>
+            <a:r>
+              <a:rPr kumimoji="1" lang="en-US" altLang="zh-TW" sz="1400" dirty="0" err="1">
+                <a:solidFill>
+                  <a:schemeClr val="tx1"/>
+                </a:solidFill>
+                <a:latin typeface="Courier New" panose="02070309020205020404" pitchFamily="49" charset="0"/>
+                <a:cs typeface="Courier New" panose="02070309020205020404" pitchFamily="49" charset="0"/>
+              </a:rPr>
+              <a:t>vertex_number</a:t>
+            </a:r>
+            <a:endParaRPr kumimoji="1" lang="en-US" altLang="zh-TW" sz="1400" dirty="0">
+              <a:solidFill>
+                <a:schemeClr val="tx1"/>
+              </a:solidFill>
+              <a:latin typeface="Courier New" panose="02070309020205020404" pitchFamily="49" charset="0"/>
+              <a:cs typeface="Courier New" panose="02070309020205020404" pitchFamily="49" charset="0"/>
+            </a:endParaRPr>
+          </a:p>
+          <a:p>
+            <a:pPr marL="285750" indent="-285750">
+              <a:buFontTx/>
+              <a:buChar char="-"/>
+            </a:pPr>
+            <a:r>
+              <a:rPr kumimoji="1" lang="en-US" altLang="zh-TW" sz="1400" dirty="0" err="1">
+                <a:solidFill>
+                  <a:schemeClr val="tx1"/>
+                </a:solidFill>
+                <a:latin typeface="Courier New" panose="02070309020205020404" pitchFamily="49" charset="0"/>
+                <a:cs typeface="Courier New" panose="02070309020205020404" pitchFamily="49" charset="0"/>
+              </a:rPr>
+              <a:t>edge_number</a:t>
+            </a:r>
+            <a:endParaRPr kumimoji="1" lang="en-US" altLang="zh-TW" sz="1400" dirty="0">
+              <a:solidFill>
+                <a:schemeClr val="tx1"/>
+              </a:solidFill>
+              <a:latin typeface="Courier New" panose="02070309020205020404" pitchFamily="49" charset="0"/>
+              <a:cs typeface="Courier New" panose="02070309020205020404" pitchFamily="49" charset="0"/>
+            </a:endParaRPr>
+          </a:p>
+          <a:p>
+            <a:pPr marL="285750" indent="-285750">
+              <a:buFontTx/>
+              <a:buChar char="-"/>
+            </a:pPr>
+            <a:r>
+              <a:rPr kumimoji="1" lang="en-US" altLang="zh-TW" sz="1400" dirty="0">
+                <a:solidFill>
+                  <a:schemeClr val="tx1"/>
+                </a:solidFill>
+                <a:latin typeface="Courier New" panose="02070309020205020404" pitchFamily="49" charset="0"/>
+                <a:cs typeface="Courier New" panose="02070309020205020404" pitchFamily="49" charset="0"/>
+              </a:rPr>
+              <a:t>adj</a:t>
+            </a:r>
+          </a:p>
+        </p:txBody>
+      </p:sp>
+      <p:sp>
+        <p:nvSpPr>
+          <p:cNvPr id="19" name="向右箭號 18">
+            <a:extLst>
+              <a:ext uri="{FF2B5EF4-FFF2-40B4-BE49-F238E27FC236}">
+                <a16:creationId xmlns:a16="http://schemas.microsoft.com/office/drawing/2014/main" id="{5F660D25-296A-1750-C84A-E59C5F0705D6}"/>
+              </a:ext>
+            </a:extLst>
+          </p:cNvPr>
+          <p:cNvSpPr/>
+          <p:nvPr/>
+        </p:nvSpPr>
+        <p:spPr>
+          <a:xfrm>
+            <a:off x="5433880" y="2972609"/>
+            <a:ext cx="1440000" cy="252000"/>
+          </a:xfrm>
+          <a:prstGeom prst="rightArrow">
+            <a:avLst/>
+          </a:prstGeom>
+        </p:spPr>
+        <p:style>
+          <a:lnRef idx="2">
+            <a:schemeClr val="accent1">
+              <a:shade val="15000"/>
+            </a:schemeClr>
+          </a:lnRef>
+          <a:fillRef idx="1">
+            <a:schemeClr val="accent1"/>
+          </a:fillRef>
+          <a:effectRef idx="0">
+            <a:schemeClr val="accent1"/>
+          </a:effectRef>
+          <a:fontRef idx="minor">
+            <a:schemeClr val="lt1"/>
+          </a:fontRef>
+        </p:style>
+        <p:txBody>
+          <a:bodyPr rtlCol="0" anchor="ctr"/>
+          <a:lstStyle/>
+          <a:p>
+            <a:pPr algn="ctr"/>
+            <a:endParaRPr kumimoji="1" lang="zh-TW" altLang="en-US" sz="1400" dirty="0">
+              <a:latin typeface="Courier New" panose="02070309020205020404" pitchFamily="49" charset="0"/>
+              <a:cs typeface="Courier New" panose="02070309020205020404" pitchFamily="49" charset="0"/>
+            </a:endParaRPr>
+          </a:p>
+        </p:txBody>
+      </p:sp>
+      <p:sp>
+        <p:nvSpPr>
+          <p:cNvPr id="2" name="矩形 1">
+            <a:extLst>
+              <a:ext uri="{FF2B5EF4-FFF2-40B4-BE49-F238E27FC236}">
+                <a16:creationId xmlns:a16="http://schemas.microsoft.com/office/drawing/2014/main" id="{66E28472-AEAD-F69B-992E-FB42DD2A085B}"/>
+              </a:ext>
+            </a:extLst>
+          </p:cNvPr>
+          <p:cNvSpPr/>
+          <p:nvPr/>
+        </p:nvSpPr>
+        <p:spPr>
+          <a:xfrm>
+            <a:off x="2336888" y="3224609"/>
+            <a:ext cx="3062124" cy="1326628"/>
+          </a:xfrm>
+          <a:prstGeom prst="rect">
+            <a:avLst/>
+          </a:prstGeom>
+          <a:solidFill>
+            <a:schemeClr val="accent1"/>
+          </a:solidFill>
+        </p:spPr>
+        <p:style>
+          <a:lnRef idx="2">
+            <a:schemeClr val="accent1">
+              <a:shade val="15000"/>
+            </a:schemeClr>
+          </a:lnRef>
+          <a:fillRef idx="1">
+            <a:schemeClr val="accent1"/>
+          </a:fillRef>
+          <a:effectRef idx="0">
+            <a:schemeClr val="accent1"/>
+          </a:effectRef>
+          <a:fontRef idx="minor">
+            <a:schemeClr val="lt1"/>
+          </a:fontRef>
+        </p:style>
+        <p:txBody>
+          <a:bodyPr rtlCol="0" anchor="ctr"/>
+          <a:lstStyle/>
+          <a:p>
+            <a:pPr algn="ctr">
+              <a:spcAft>
+                <a:spcPts val="600"/>
+              </a:spcAft>
+            </a:pPr>
+            <a:r>
+              <a:rPr kumimoji="1" lang="en-US" altLang="zh-TW" sz="1400" b="1" dirty="0">
+                <a:solidFill>
+                  <a:schemeClr val="bg1"/>
+                </a:solidFill>
+                <a:latin typeface="Courier New" panose="02070309020205020404" pitchFamily="49" charset="0"/>
+                <a:cs typeface="Courier New" panose="02070309020205020404" pitchFamily="49" charset="0"/>
+              </a:rPr>
+              <a:t>Helper Methods</a:t>
+            </a:r>
+          </a:p>
+          <a:p>
+            <a:pPr marL="171450" indent="-171450">
+              <a:buFontTx/>
+              <a:buChar char="-"/>
+            </a:pPr>
+            <a:r>
+              <a:rPr kumimoji="1" lang="en-US" altLang="zh-TW" sz="1400" dirty="0">
+                <a:solidFill>
+                  <a:schemeClr val="bg1"/>
+                </a:solidFill>
+                <a:latin typeface="Courier New" panose="02070309020205020404" pitchFamily="49" charset="0"/>
+                <a:cs typeface="Courier New" panose="02070309020205020404" pitchFamily="49" charset="0"/>
+              </a:rPr>
+              <a:t>__</a:t>
+            </a:r>
+            <a:r>
+              <a:rPr kumimoji="1" lang="en-US" altLang="zh-TW" sz="1400" dirty="0" err="1">
+                <a:solidFill>
+                  <a:schemeClr val="bg1"/>
+                </a:solidFill>
+                <a:latin typeface="Courier New" panose="02070309020205020404" pitchFamily="49" charset="0"/>
+                <a:cs typeface="Courier New" panose="02070309020205020404" pitchFamily="49" charset="0"/>
+              </a:rPr>
+              <a:t>init</a:t>
+            </a:r>
+            <a:r>
+              <a:rPr kumimoji="1" lang="en-US" altLang="zh-TW" sz="1400" dirty="0">
+                <a:solidFill>
+                  <a:schemeClr val="bg1"/>
+                </a:solidFill>
+                <a:latin typeface="Courier New" panose="02070309020205020404" pitchFamily="49" charset="0"/>
+                <a:cs typeface="Courier New" panose="02070309020205020404" pitchFamily="49" charset="0"/>
+              </a:rPr>
+              <a:t>__()</a:t>
+            </a:r>
+          </a:p>
+          <a:p>
+            <a:pPr marL="171450" indent="-171450">
+              <a:buFontTx/>
+              <a:buChar char="-"/>
+            </a:pPr>
+            <a:r>
+              <a:rPr kumimoji="1" lang="en-US" altLang="zh-TW" sz="1400" dirty="0">
+                <a:solidFill>
+                  <a:schemeClr val="bg1"/>
+                </a:solidFill>
+                <a:latin typeface="Courier New" panose="02070309020205020404" pitchFamily="49" charset="0"/>
+                <a:cs typeface="Courier New" panose="02070309020205020404" pitchFamily="49" charset="0"/>
+              </a:rPr>
+              <a:t>__str__()</a:t>
+            </a:r>
+          </a:p>
+          <a:p>
+            <a:pPr marL="171450" indent="-171450">
+              <a:buFontTx/>
+              <a:buChar char="-"/>
+            </a:pPr>
+            <a:r>
+              <a:rPr kumimoji="1" lang="en-US" altLang="zh-TW" sz="1400" dirty="0">
+                <a:solidFill>
+                  <a:schemeClr val="bg1"/>
+                </a:solidFill>
+                <a:latin typeface="Courier New" panose="02070309020205020404" pitchFamily="49" charset="0"/>
+                <a:cs typeface="Courier New" panose="02070309020205020404" pitchFamily="49" charset="0"/>
+              </a:rPr>
+              <a:t>__</a:t>
+            </a:r>
+            <a:r>
+              <a:rPr kumimoji="1" lang="en-US" altLang="zh-TW" sz="1400" dirty="0" err="1">
+                <a:solidFill>
+                  <a:schemeClr val="bg1"/>
+                </a:solidFill>
+                <a:latin typeface="Courier New" panose="02070309020205020404" pitchFamily="49" charset="0"/>
+                <a:cs typeface="Courier New" panose="02070309020205020404" pitchFamily="49" charset="0"/>
+              </a:rPr>
+              <a:t>repr</a:t>
+            </a:r>
+            <a:r>
+              <a:rPr kumimoji="1" lang="en-US" altLang="zh-TW" sz="1400" dirty="0">
+                <a:solidFill>
+                  <a:schemeClr val="bg1"/>
+                </a:solidFill>
+                <a:latin typeface="Courier New" panose="02070309020205020404" pitchFamily="49" charset="0"/>
+                <a:cs typeface="Courier New" panose="02070309020205020404" pitchFamily="49" charset="0"/>
+              </a:rPr>
+              <a:t>__()</a:t>
+            </a:r>
+          </a:p>
+          <a:p>
+            <a:pPr marL="171450" indent="-171450">
+              <a:buFontTx/>
+              <a:buChar char="-"/>
+            </a:pPr>
+            <a:r>
+              <a:rPr kumimoji="1" lang="en-US" altLang="zh-TW" sz="1400" dirty="0">
+                <a:latin typeface="Courier New" panose="02070309020205020404" pitchFamily="49" charset="0"/>
+                <a:cs typeface="Courier New" panose="02070309020205020404" pitchFamily="49" charset="0"/>
+              </a:rPr>
+              <a:t>_</a:t>
+            </a:r>
+            <a:r>
+              <a:rPr kumimoji="1" lang="en-US" altLang="zh-TW" sz="1400" dirty="0" err="1">
+                <a:latin typeface="Courier New" panose="02070309020205020404" pitchFamily="49" charset="0"/>
+                <a:cs typeface="Courier New" panose="02070309020205020404" pitchFamily="49" charset="0"/>
+              </a:rPr>
+              <a:t>get_vertex</a:t>
+            </a:r>
+            <a:r>
+              <a:rPr kumimoji="1" lang="en-US" altLang="zh-TW" sz="1400" dirty="0">
+                <a:latin typeface="Courier New" panose="02070309020205020404" pitchFamily="49" charset="0"/>
+                <a:cs typeface="Courier New" panose="02070309020205020404" pitchFamily="49" charset="0"/>
+              </a:rPr>
+              <a:t>()</a:t>
+            </a:r>
+          </a:p>
+          <a:p>
+            <a:pPr marL="171450" indent="-171450">
+              <a:buFontTx/>
+              <a:buChar char="-"/>
+            </a:pPr>
+            <a:endParaRPr kumimoji="1" lang="en-US" altLang="zh-TW" sz="1400" dirty="0">
+              <a:solidFill>
+                <a:schemeClr val="bg1"/>
+              </a:solidFill>
+              <a:latin typeface="Courier New" panose="02070309020205020404" pitchFamily="49" charset="0"/>
+              <a:cs typeface="Courier New" panose="02070309020205020404" pitchFamily="49" charset="0"/>
+            </a:endParaRPr>
+          </a:p>
+        </p:txBody>
+      </p:sp>
+      <p:grpSp>
+        <p:nvGrpSpPr>
+          <p:cNvPr id="25" name="群組 24">
+            <a:extLst>
+              <a:ext uri="{FF2B5EF4-FFF2-40B4-BE49-F238E27FC236}">
+                <a16:creationId xmlns:a16="http://schemas.microsoft.com/office/drawing/2014/main" id="{78A8E5C6-6236-9D02-D38F-0E27CDD9ECCB}"/>
+              </a:ext>
+            </a:extLst>
+          </p:cNvPr>
+          <p:cNvGrpSpPr/>
+          <p:nvPr/>
+        </p:nvGrpSpPr>
+        <p:grpSpPr>
+          <a:xfrm>
+            <a:off x="426293" y="1997268"/>
+            <a:ext cx="2027606" cy="1166457"/>
+            <a:chOff x="7854331" y="1651448"/>
+            <a:chExt cx="2027606" cy="1166457"/>
+          </a:xfrm>
+        </p:grpSpPr>
+        <p:sp>
+          <p:nvSpPr>
+            <p:cNvPr id="23" name="向右箭號 22">
+              <a:extLst>
+                <a:ext uri="{FF2B5EF4-FFF2-40B4-BE49-F238E27FC236}">
+                  <a16:creationId xmlns:a16="http://schemas.microsoft.com/office/drawing/2014/main" id="{AB7E2BE3-191F-788D-A1D5-20246966ABE5}"/>
+                </a:ext>
+              </a:extLst>
+            </p:cNvPr>
+            <p:cNvSpPr/>
+            <p:nvPr/>
+          </p:nvSpPr>
+          <p:spPr>
+            <a:xfrm>
+              <a:off x="8006211" y="2628588"/>
+              <a:ext cx="1723847" cy="189317"/>
+            </a:xfrm>
+            <a:prstGeom prst="rightArrow">
+              <a:avLst/>
+            </a:prstGeom>
+          </p:spPr>
+          <p:style>
+            <a:lnRef idx="2">
+              <a:schemeClr val="accent1">
+                <a:shade val="15000"/>
+              </a:schemeClr>
+            </a:lnRef>
+            <a:fillRef idx="1">
+              <a:schemeClr val="accent1"/>
+            </a:fillRef>
+            <a:effectRef idx="0">
+              <a:schemeClr val="accent1"/>
+            </a:effectRef>
+            <a:fontRef idx="minor">
+              <a:schemeClr val="lt1"/>
+            </a:fontRef>
+          </p:style>
+          <p:txBody>
+            <a:bodyPr rtlCol="0" anchor="ctr"/>
+            <a:lstStyle/>
+            <a:p>
+              <a:pPr algn="ctr"/>
+              <a:endParaRPr kumimoji="1" lang="zh-TW" altLang="en-US" sz="1400" dirty="0">
+                <a:latin typeface="Courier New" panose="02070309020205020404" pitchFamily="49" charset="0"/>
+                <a:cs typeface="Courier New" panose="02070309020205020404" pitchFamily="49" charset="0"/>
+              </a:endParaRPr>
+            </a:p>
+          </p:txBody>
+        </p:sp>
+        <p:sp>
+          <p:nvSpPr>
+            <p:cNvPr id="24" name="文字方塊 23">
+              <a:extLst>
+                <a:ext uri="{FF2B5EF4-FFF2-40B4-BE49-F238E27FC236}">
+                  <a16:creationId xmlns:a16="http://schemas.microsoft.com/office/drawing/2014/main" id="{9560B48A-11AA-E24E-803A-4F10FCA1BB02}"/>
+                </a:ext>
+              </a:extLst>
+            </p:cNvPr>
+            <p:cNvSpPr txBox="1"/>
+            <p:nvPr/>
+          </p:nvSpPr>
+          <p:spPr>
+            <a:xfrm>
+              <a:off x="7854331" y="1651448"/>
+              <a:ext cx="2027606" cy="954107"/>
+            </a:xfrm>
+            <a:prstGeom prst="rect">
+              <a:avLst/>
+            </a:prstGeom>
+            <a:noFill/>
+          </p:spPr>
+          <p:txBody>
+            <a:bodyPr wrap="square">
+              <a:spAutoFit/>
+            </a:bodyPr>
+            <a:lstStyle/>
+            <a:p>
+              <a:r>
+                <a:rPr kumimoji="1" lang="en-US" altLang="zh-TW" sz="1400" dirty="0" err="1">
+                  <a:latin typeface="Courier New" panose="02070309020205020404" pitchFamily="49" charset="0"/>
+                  <a:cs typeface="Courier New" panose="02070309020205020404" pitchFamily="49" charset="0"/>
+                </a:rPr>
+                <a:t>insert_vertex</a:t>
+              </a:r>
+              <a:r>
+                <a:rPr kumimoji="1" lang="en-US" altLang="zh-TW" sz="1400" dirty="0">
+                  <a:latin typeface="Courier New" panose="02070309020205020404" pitchFamily="49" charset="0"/>
+                  <a:cs typeface="Courier New" panose="02070309020205020404" pitchFamily="49" charset="0"/>
+                </a:rPr>
+                <a:t>()</a:t>
+              </a:r>
+            </a:p>
+            <a:p>
+              <a:r>
+                <a:rPr kumimoji="1" lang="en-US" altLang="zh-TW" sz="1400" dirty="0" err="1">
+                  <a:latin typeface="Courier New" panose="02070309020205020404" pitchFamily="49" charset="0"/>
+                  <a:cs typeface="Courier New" panose="02070309020205020404" pitchFamily="49" charset="0"/>
+                </a:rPr>
+                <a:t>delete_vertex</a:t>
+              </a:r>
+              <a:r>
+                <a:rPr kumimoji="1" lang="en-US" altLang="zh-TW" sz="1400" dirty="0">
+                  <a:latin typeface="Courier New" panose="02070309020205020404" pitchFamily="49" charset="0"/>
+                  <a:cs typeface="Courier New" panose="02070309020205020404" pitchFamily="49" charset="0"/>
+                </a:rPr>
+                <a:t>()</a:t>
+              </a:r>
+            </a:p>
+            <a:p>
+              <a:r>
+                <a:rPr kumimoji="1" lang="en-US" altLang="zh-TW" sz="1400" dirty="0" err="1">
+                  <a:latin typeface="Courier New" panose="02070309020205020404" pitchFamily="49" charset="0"/>
+                  <a:cs typeface="Courier New" panose="02070309020205020404" pitchFamily="49" charset="0"/>
+                </a:rPr>
+                <a:t>insert_edge</a:t>
+              </a:r>
+              <a:r>
+                <a:rPr kumimoji="1" lang="en-US" altLang="zh-TW" sz="1400" dirty="0">
+                  <a:latin typeface="Courier New" panose="02070309020205020404" pitchFamily="49" charset="0"/>
+                  <a:cs typeface="Courier New" panose="02070309020205020404" pitchFamily="49" charset="0"/>
+                </a:rPr>
+                <a:t>()</a:t>
+              </a:r>
+            </a:p>
+            <a:p>
+              <a:r>
+                <a:rPr kumimoji="1" lang="en-US" altLang="zh-TW" sz="1400" dirty="0" err="1">
+                  <a:latin typeface="Courier New" panose="02070309020205020404" pitchFamily="49" charset="0"/>
+                  <a:cs typeface="Courier New" panose="02070309020205020404" pitchFamily="49" charset="0"/>
+                </a:rPr>
+                <a:t>delete_edge</a:t>
+              </a:r>
+              <a:r>
+                <a:rPr kumimoji="1" lang="en-US" altLang="zh-TW" sz="1400" dirty="0">
+                  <a:latin typeface="Courier New" panose="02070309020205020404" pitchFamily="49" charset="0"/>
+                  <a:cs typeface="Courier New" panose="02070309020205020404" pitchFamily="49" charset="0"/>
+                </a:rPr>
+                <a:t>()</a:t>
+              </a:r>
+            </a:p>
+          </p:txBody>
+        </p:sp>
+      </p:grpSp>
+      <p:sp>
+        <p:nvSpPr>
+          <p:cNvPr id="3" name="文字方塊 2">
+            <a:extLst>
+              <a:ext uri="{FF2B5EF4-FFF2-40B4-BE49-F238E27FC236}">
+                <a16:creationId xmlns:a16="http://schemas.microsoft.com/office/drawing/2014/main" id="{97ECC68D-EE8E-1C5C-0B7C-2324C8BF7170}"/>
+              </a:ext>
+            </a:extLst>
+          </p:cNvPr>
+          <p:cNvSpPr txBox="1"/>
+          <p:nvPr/>
+        </p:nvSpPr>
+        <p:spPr>
+          <a:xfrm>
+            <a:off x="5420433" y="987285"/>
+            <a:ext cx="2064106" cy="2031325"/>
+          </a:xfrm>
+          <a:prstGeom prst="rect">
+            <a:avLst/>
+          </a:prstGeom>
+          <a:noFill/>
+        </p:spPr>
+        <p:txBody>
+          <a:bodyPr wrap="square">
+            <a:spAutoFit/>
+          </a:bodyPr>
+          <a:lstStyle/>
+          <a:p>
+            <a:r>
+              <a:rPr kumimoji="1" lang="en-US" altLang="zh-TW" sz="1400" dirty="0" err="1">
+                <a:latin typeface="Courier New" panose="02070309020205020404" pitchFamily="49" charset="0"/>
+                <a:cs typeface="Courier New" panose="02070309020205020404" pitchFamily="49" charset="0"/>
+              </a:rPr>
+              <a:t>read_file</a:t>
+            </a:r>
+            <a:r>
+              <a:rPr kumimoji="1" lang="en-US" altLang="zh-TW" sz="1400" dirty="0">
+                <a:latin typeface="Courier New" panose="02070309020205020404" pitchFamily="49" charset="0"/>
+                <a:cs typeface="Courier New" panose="02070309020205020404" pitchFamily="49" charset="0"/>
+              </a:rPr>
+              <a:t>()</a:t>
+            </a:r>
+          </a:p>
+          <a:p>
+            <a:r>
+              <a:rPr kumimoji="1" lang="en-US" altLang="zh-TW" sz="1400" dirty="0" err="1">
+                <a:latin typeface="Courier New" panose="02070309020205020404" pitchFamily="49" charset="0"/>
+                <a:cs typeface="Courier New" panose="02070309020205020404" pitchFamily="49" charset="0"/>
+              </a:rPr>
+              <a:t>has_vertex</a:t>
+            </a:r>
+            <a:r>
+              <a:rPr kumimoji="1" lang="en-US" altLang="zh-TW" sz="1400" dirty="0">
+                <a:latin typeface="Courier New" panose="02070309020205020404" pitchFamily="49" charset="0"/>
+                <a:cs typeface="Courier New" panose="02070309020205020404" pitchFamily="49" charset="0"/>
+              </a:rPr>
+              <a:t>()</a:t>
+            </a:r>
+          </a:p>
+          <a:p>
+            <a:r>
+              <a:rPr kumimoji="1" lang="en-US" altLang="zh-TW" sz="1400" dirty="0" err="1">
+                <a:latin typeface="Courier New" panose="02070309020205020404" pitchFamily="49" charset="0"/>
+                <a:cs typeface="Courier New" panose="02070309020205020404" pitchFamily="49" charset="0"/>
+              </a:rPr>
+              <a:t>has_edge</a:t>
+            </a:r>
+            <a:r>
+              <a:rPr kumimoji="1" lang="en-US" altLang="zh-TW" sz="1400" dirty="0">
+                <a:latin typeface="Courier New" panose="02070309020205020404" pitchFamily="49" charset="0"/>
+                <a:cs typeface="Courier New" panose="02070309020205020404" pitchFamily="49" charset="0"/>
+              </a:rPr>
+              <a:t>()</a:t>
+            </a:r>
+          </a:p>
+          <a:p>
+            <a:r>
+              <a:rPr kumimoji="1" lang="en-US" altLang="zh-TW" sz="1400" dirty="0" err="1">
+                <a:latin typeface="Courier New" panose="02070309020205020404" pitchFamily="49" charset="0"/>
+                <a:cs typeface="Courier New" panose="02070309020205020404" pitchFamily="49" charset="0"/>
+              </a:rPr>
+              <a:t>get_vertices</a:t>
+            </a:r>
+            <a:r>
+              <a:rPr kumimoji="1" lang="en-US" altLang="zh-TW" sz="1400" dirty="0">
+                <a:latin typeface="Courier New" panose="02070309020205020404" pitchFamily="49" charset="0"/>
+                <a:cs typeface="Courier New" panose="02070309020205020404" pitchFamily="49" charset="0"/>
+              </a:rPr>
+              <a:t>()</a:t>
+            </a:r>
+          </a:p>
+          <a:p>
+            <a:r>
+              <a:rPr kumimoji="1" lang="en-US" altLang="zh-TW" sz="1400" dirty="0" err="1">
+                <a:latin typeface="Courier New" panose="02070309020205020404" pitchFamily="49" charset="0"/>
+                <a:cs typeface="Courier New" panose="02070309020205020404" pitchFamily="49" charset="0"/>
+              </a:rPr>
+              <a:t>get_edges</a:t>
+            </a:r>
+            <a:r>
+              <a:rPr kumimoji="1" lang="en-US" altLang="zh-TW" sz="1400" dirty="0">
+                <a:latin typeface="Courier New" panose="02070309020205020404" pitchFamily="49" charset="0"/>
+                <a:cs typeface="Courier New" panose="02070309020205020404" pitchFamily="49" charset="0"/>
+              </a:rPr>
+              <a:t>()</a:t>
+            </a:r>
+          </a:p>
+          <a:p>
+            <a:r>
+              <a:rPr kumimoji="1" lang="en-US" altLang="zh-TW" sz="1400" dirty="0" err="1">
+                <a:latin typeface="Courier New" panose="02070309020205020404" pitchFamily="49" charset="0"/>
+                <a:cs typeface="Courier New" panose="02070309020205020404" pitchFamily="49" charset="0"/>
+              </a:rPr>
+              <a:t>vertex_count</a:t>
+            </a:r>
+            <a:r>
+              <a:rPr kumimoji="1" lang="en-US" altLang="zh-TW" sz="1400" dirty="0">
+                <a:latin typeface="Courier New" panose="02070309020205020404" pitchFamily="49" charset="0"/>
+                <a:cs typeface="Courier New" panose="02070309020205020404" pitchFamily="49" charset="0"/>
+              </a:rPr>
+              <a:t>()</a:t>
+            </a:r>
+          </a:p>
+          <a:p>
+            <a:r>
+              <a:rPr kumimoji="1" lang="en-US" altLang="zh-TW" sz="1400" dirty="0" err="1">
+                <a:latin typeface="Courier New" panose="02070309020205020404" pitchFamily="49" charset="0"/>
+                <a:cs typeface="Courier New" panose="02070309020205020404" pitchFamily="49" charset="0"/>
+              </a:rPr>
+              <a:t>edge_count</a:t>
+            </a:r>
+            <a:r>
+              <a:rPr kumimoji="1" lang="en-US" altLang="zh-TW" sz="1400" dirty="0">
+                <a:latin typeface="Courier New" panose="02070309020205020404" pitchFamily="49" charset="0"/>
+                <a:cs typeface="Courier New" panose="02070309020205020404" pitchFamily="49" charset="0"/>
+              </a:rPr>
+              <a:t>()</a:t>
+            </a:r>
+          </a:p>
+          <a:p>
+            <a:r>
+              <a:rPr kumimoji="1" lang="en-US" altLang="zh-TW" sz="1400" dirty="0" err="1">
+                <a:latin typeface="Courier New" panose="02070309020205020404" pitchFamily="49" charset="0"/>
+                <a:cs typeface="Courier New" panose="02070309020205020404" pitchFamily="49" charset="0"/>
+              </a:rPr>
+              <a:t>bfs</a:t>
+            </a:r>
+            <a:endParaRPr kumimoji="1" lang="en-US" altLang="zh-TW" sz="1400" dirty="0">
+              <a:latin typeface="Courier New" panose="02070309020205020404" pitchFamily="49" charset="0"/>
+              <a:cs typeface="Courier New" panose="02070309020205020404" pitchFamily="49" charset="0"/>
+            </a:endParaRPr>
+          </a:p>
+          <a:p>
+            <a:r>
+              <a:rPr kumimoji="1" lang="en-US" altLang="zh-TW" sz="1400" dirty="0" err="1">
+                <a:latin typeface="Courier New" panose="02070309020205020404" pitchFamily="49" charset="0"/>
+                <a:cs typeface="Courier New" panose="02070309020205020404" pitchFamily="49" charset="0"/>
+              </a:rPr>
+              <a:t>dfs</a:t>
+            </a:r>
+            <a:endParaRPr kumimoji="1" lang="en-US" altLang="zh-TW" sz="1400" dirty="0">
+              <a:latin typeface="Courier New" panose="02070309020205020404" pitchFamily="49" charset="0"/>
+              <a:cs typeface="Courier New" panose="02070309020205020404" pitchFamily="49" charset="0"/>
+            </a:endParaRPr>
+          </a:p>
+        </p:txBody>
+      </p:sp>
+    </p:spTree>
+    <p:extLst>
+      <p:ext uri="{BB962C8B-B14F-4D97-AF65-F5344CB8AC3E}">
+        <p14:creationId xmlns:p14="http://schemas.microsoft.com/office/powerpoint/2010/main" val="3046370686"/>
+      </p:ext>
+    </p:extLst>
+  </p:cSld>
+  <p:clrMapOvr>
+    <a:masterClrMapping/>
+  </p:clrMapOvr>
+</p:sld>
+</file>
+
 <file path=ppt/theme/theme1.xml><?xml version="1.0" encoding="utf-8"?>
 <a:theme xmlns:a="http://schemas.openxmlformats.org/drawingml/2006/main" name="Office 佈景主題">
   <a:themeElements>

--- a/asset/ppt/ch10_graph.pptx
+++ b/asset/ppt/ch10_graph.pptx
@@ -9,6 +9,9 @@
     <p:sldId id="257" r:id="rId3"/>
     <p:sldId id="259" r:id="rId4"/>
     <p:sldId id="260" r:id="rId5"/>
+    <p:sldId id="261" r:id="rId6"/>
+    <p:sldId id="262" r:id="rId7"/>
+    <p:sldId id="263" r:id="rId8"/>
   </p:sldIdLst>
   <p:sldSz cx="12192000" cy="6858000"/>
   <p:notesSz cx="6858000" cy="9144000"/>
@@ -262,7 +265,7 @@
           <a:p>
             <a:fld id="{89851C12-1240-5B46-BD94-A3C3FBB79758}" type="datetimeFigureOut">
               <a:rPr kumimoji="1" lang="zh-TW" altLang="en-US" smtClean="0"/>
-              <a:t>2026/2/4</a:t>
+              <a:t>2026/2/5</a:t>
             </a:fld>
             <a:endParaRPr kumimoji="1" lang="zh-TW" altLang="en-US"/>
           </a:p>
@@ -460,7 +463,7 @@
           <a:p>
             <a:fld id="{89851C12-1240-5B46-BD94-A3C3FBB79758}" type="datetimeFigureOut">
               <a:rPr kumimoji="1" lang="zh-TW" altLang="en-US" smtClean="0"/>
-              <a:t>2026/2/4</a:t>
+              <a:t>2026/2/5</a:t>
             </a:fld>
             <a:endParaRPr kumimoji="1" lang="zh-TW" altLang="en-US"/>
           </a:p>
@@ -668,7 +671,7 @@
           <a:p>
             <a:fld id="{89851C12-1240-5B46-BD94-A3C3FBB79758}" type="datetimeFigureOut">
               <a:rPr kumimoji="1" lang="zh-TW" altLang="en-US" smtClean="0"/>
-              <a:t>2026/2/4</a:t>
+              <a:t>2026/2/5</a:t>
             </a:fld>
             <a:endParaRPr kumimoji="1" lang="zh-TW" altLang="en-US"/>
           </a:p>
@@ -866,7 +869,7 @@
           <a:p>
             <a:fld id="{89851C12-1240-5B46-BD94-A3C3FBB79758}" type="datetimeFigureOut">
               <a:rPr kumimoji="1" lang="zh-TW" altLang="en-US" smtClean="0"/>
-              <a:t>2026/2/4</a:t>
+              <a:t>2026/2/5</a:t>
             </a:fld>
             <a:endParaRPr kumimoji="1" lang="zh-TW" altLang="en-US"/>
           </a:p>
@@ -1141,7 +1144,7 @@
           <a:p>
             <a:fld id="{89851C12-1240-5B46-BD94-A3C3FBB79758}" type="datetimeFigureOut">
               <a:rPr kumimoji="1" lang="zh-TW" altLang="en-US" smtClean="0"/>
-              <a:t>2026/2/4</a:t>
+              <a:t>2026/2/5</a:t>
             </a:fld>
             <a:endParaRPr kumimoji="1" lang="zh-TW" altLang="en-US"/>
           </a:p>
@@ -1406,7 +1409,7 @@
           <a:p>
             <a:fld id="{89851C12-1240-5B46-BD94-A3C3FBB79758}" type="datetimeFigureOut">
               <a:rPr kumimoji="1" lang="zh-TW" altLang="en-US" smtClean="0"/>
-              <a:t>2026/2/4</a:t>
+              <a:t>2026/2/5</a:t>
             </a:fld>
             <a:endParaRPr kumimoji="1" lang="zh-TW" altLang="en-US"/>
           </a:p>
@@ -1818,7 +1821,7 @@
           <a:p>
             <a:fld id="{89851C12-1240-5B46-BD94-A3C3FBB79758}" type="datetimeFigureOut">
               <a:rPr kumimoji="1" lang="zh-TW" altLang="en-US" smtClean="0"/>
-              <a:t>2026/2/4</a:t>
+              <a:t>2026/2/5</a:t>
             </a:fld>
             <a:endParaRPr kumimoji="1" lang="zh-TW" altLang="en-US"/>
           </a:p>
@@ -1959,7 +1962,7 @@
           <a:p>
             <a:fld id="{89851C12-1240-5B46-BD94-A3C3FBB79758}" type="datetimeFigureOut">
               <a:rPr kumimoji="1" lang="zh-TW" altLang="en-US" smtClean="0"/>
-              <a:t>2026/2/4</a:t>
+              <a:t>2026/2/5</a:t>
             </a:fld>
             <a:endParaRPr kumimoji="1" lang="zh-TW" altLang="en-US"/>
           </a:p>
@@ -2072,7 +2075,7 @@
           <a:p>
             <a:fld id="{89851C12-1240-5B46-BD94-A3C3FBB79758}" type="datetimeFigureOut">
               <a:rPr kumimoji="1" lang="zh-TW" altLang="en-US" smtClean="0"/>
-              <a:t>2026/2/4</a:t>
+              <a:t>2026/2/5</a:t>
             </a:fld>
             <a:endParaRPr kumimoji="1" lang="zh-TW" altLang="en-US"/>
           </a:p>
@@ -2383,7 +2386,7 @@
           <a:p>
             <a:fld id="{89851C12-1240-5B46-BD94-A3C3FBB79758}" type="datetimeFigureOut">
               <a:rPr kumimoji="1" lang="zh-TW" altLang="en-US" smtClean="0"/>
-              <a:t>2026/2/4</a:t>
+              <a:t>2026/2/5</a:t>
             </a:fld>
             <a:endParaRPr kumimoji="1" lang="zh-TW" altLang="en-US"/>
           </a:p>
@@ -2671,7 +2674,7 @@
           <a:p>
             <a:fld id="{89851C12-1240-5B46-BD94-A3C3FBB79758}" type="datetimeFigureOut">
               <a:rPr kumimoji="1" lang="zh-TW" altLang="en-US" smtClean="0"/>
-              <a:t>2026/2/4</a:t>
+              <a:t>2026/2/5</a:t>
             </a:fld>
             <a:endParaRPr kumimoji="1" lang="zh-TW" altLang="en-US"/>
           </a:p>
@@ -2912,7 +2915,7 @@
           <a:p>
             <a:fld id="{89851C12-1240-5B46-BD94-A3C3FBB79758}" type="datetimeFigureOut">
               <a:rPr kumimoji="1" lang="zh-TW" altLang="en-US" smtClean="0"/>
-              <a:t>2026/2/4</a:t>
+              <a:t>2026/2/5</a:t>
             </a:fld>
             <a:endParaRPr kumimoji="1" lang="zh-TW" altLang="en-US"/>
           </a:p>
@@ -4084,8 +4087,8 @@
         </p:nvSpPr>
         <p:spPr>
           <a:xfrm>
-            <a:off x="2336888" y="1035423"/>
-            <a:ext cx="3062124" cy="2151529"/>
+            <a:off x="2336888" y="1372171"/>
+            <a:ext cx="3062124" cy="1814781"/>
           </a:xfrm>
           <a:prstGeom prst="rect">
             <a:avLst/>
@@ -4621,8 +4624,8 @@
         </p:nvSpPr>
         <p:spPr>
           <a:xfrm>
-            <a:off x="5420433" y="987285"/>
-            <a:ext cx="2064106" cy="2031325"/>
+            <a:off x="5399012" y="1372171"/>
+            <a:ext cx="2064106" cy="1600438"/>
           </a:xfrm>
           <a:prstGeom prst="rect">
             <a:avLst/>
@@ -4746,38 +4749,2281 @@
               <a:t>()</a:t>
             </a:r>
           </a:p>
-          <a:p>
-            <a:r>
-              <a:rPr kumimoji="1" lang="en-US" altLang="zh-TW" sz="1400" dirty="0" err="1">
-                <a:latin typeface="Courier New" panose="02070309020205020404" pitchFamily="49" charset="0"/>
-                <a:cs typeface="Courier New" panose="02070309020205020404" pitchFamily="49" charset="0"/>
-              </a:rPr>
-              <a:t>bfs</a:t>
-            </a:r>
-            <a:endParaRPr kumimoji="1" lang="en-US" altLang="zh-TW" sz="1400" dirty="0">
-              <a:latin typeface="Courier New" panose="02070309020205020404" pitchFamily="49" charset="0"/>
-              <a:cs typeface="Courier New" panose="02070309020205020404" pitchFamily="49" charset="0"/>
-            </a:endParaRPr>
-          </a:p>
-          <a:p>
-            <a:r>
-              <a:rPr kumimoji="1" lang="en-US" altLang="zh-TW" sz="1400" dirty="0" err="1">
-                <a:latin typeface="Courier New" panose="02070309020205020404" pitchFamily="49" charset="0"/>
-                <a:cs typeface="Courier New" panose="02070309020205020404" pitchFamily="49" charset="0"/>
-              </a:rPr>
-              <a:t>dfs</a:t>
-            </a:r>
-            <a:endParaRPr kumimoji="1" lang="en-US" altLang="zh-TW" sz="1400" dirty="0">
-              <a:latin typeface="Courier New" panose="02070309020205020404" pitchFamily="49" charset="0"/>
-              <a:cs typeface="Courier New" panose="02070309020205020404" pitchFamily="49" charset="0"/>
-            </a:endParaRPr>
-          </a:p>
         </p:txBody>
       </p:sp>
     </p:spTree>
     <p:extLst>
       <p:ext uri="{BB962C8B-B14F-4D97-AF65-F5344CB8AC3E}">
         <p14:creationId xmlns:p14="http://schemas.microsoft.com/office/powerpoint/2010/main" val="3046370686"/>
+      </p:ext>
+    </p:extLst>
+  </p:cSld>
+  <p:clrMapOvr>
+    <a:masterClrMapping/>
+  </p:clrMapOvr>
+</p:sld>
+</file>
+
+<file path=ppt/slides/slide5.xml><?xml version="1.0" encoding="utf-8"?>
+<p:sld xmlns:a="http://schemas.openxmlformats.org/drawingml/2006/main" xmlns:r="http://schemas.openxmlformats.org/officeDocument/2006/relationships" xmlns:p="http://schemas.openxmlformats.org/presentationml/2006/main">
+  <p:cSld>
+    <p:spTree>
+      <p:nvGrpSpPr>
+        <p:cNvPr id="1" name=""/>
+        <p:cNvGrpSpPr/>
+        <p:nvPr/>
+      </p:nvGrpSpPr>
+      <p:grpSpPr>
+        <a:xfrm>
+          <a:off x="0" y="0"/>
+          <a:ext cx="0" cy="0"/>
+          <a:chOff x="0" y="0"/>
+          <a:chExt cx="0" cy="0"/>
+        </a:xfrm>
+      </p:grpSpPr>
+      <p:sp>
+        <p:nvSpPr>
+          <p:cNvPr id="5" name="文字方塊 4">
+            <a:extLst>
+              <a:ext uri="{FF2B5EF4-FFF2-40B4-BE49-F238E27FC236}">
+                <a16:creationId xmlns:a16="http://schemas.microsoft.com/office/drawing/2014/main" id="{0AC5BC49-AE64-6002-F036-6835CBEB47DA}"/>
+              </a:ext>
+            </a:extLst>
+          </p:cNvPr>
+          <p:cNvSpPr txBox="1"/>
+          <p:nvPr/>
+        </p:nvSpPr>
+        <p:spPr>
+          <a:xfrm>
+            <a:off x="5176037" y="1206750"/>
+            <a:ext cx="1238250" cy="3754874"/>
+          </a:xfrm>
+          <a:prstGeom prst="rect">
+            <a:avLst/>
+          </a:prstGeom>
+          <a:noFill/>
+        </p:spPr>
+        <p:txBody>
+          <a:bodyPr wrap="square">
+            <a:spAutoFit/>
+          </a:bodyPr>
+          <a:lstStyle/>
+          <a:p>
+            <a:r>
+              <a:rPr lang="zh-TW" altLang="en-US" sz="1400" dirty="0"/>
+              <a:t>7 16</a:t>
+            </a:r>
+          </a:p>
+          <a:p>
+            <a:r>
+              <a:rPr lang="zh-TW" altLang="en-US" sz="1400" dirty="0"/>
+              <a:t>0 2</a:t>
+            </a:r>
+          </a:p>
+          <a:p>
+            <a:r>
+              <a:rPr lang="zh-TW" altLang="en-US" sz="1400" dirty="0"/>
+              <a:t>0 3</a:t>
+            </a:r>
+          </a:p>
+          <a:p>
+            <a:r>
+              <a:rPr lang="zh-TW" altLang="en-US" sz="1400" dirty="0"/>
+              <a:t>0 4</a:t>
+            </a:r>
+          </a:p>
+          <a:p>
+            <a:r>
+              <a:rPr lang="zh-TW" altLang="en-US" sz="1400" dirty="0"/>
+              <a:t>1 2</a:t>
+            </a:r>
+          </a:p>
+          <a:p>
+            <a:r>
+              <a:rPr lang="zh-TW" altLang="en-US" sz="1400" dirty="0"/>
+              <a:t>1 5</a:t>
+            </a:r>
+          </a:p>
+          <a:p>
+            <a:r>
+              <a:rPr lang="zh-TW" altLang="en-US" sz="1400" dirty="0"/>
+              <a:t>2 0</a:t>
+            </a:r>
+          </a:p>
+          <a:p>
+            <a:r>
+              <a:rPr lang="zh-TW" altLang="en-US" sz="1400" dirty="0"/>
+              <a:t>2 1</a:t>
+            </a:r>
+          </a:p>
+          <a:p>
+            <a:r>
+              <a:rPr lang="zh-TW" altLang="en-US" sz="1400" dirty="0"/>
+              <a:t>2 4</a:t>
+            </a:r>
+          </a:p>
+          <a:p>
+            <a:r>
+              <a:rPr lang="zh-TW" altLang="en-US" sz="1400" dirty="0"/>
+              <a:t>2 5</a:t>
+            </a:r>
+          </a:p>
+          <a:p>
+            <a:r>
+              <a:rPr lang="zh-TW" altLang="en-US" sz="1400" dirty="0"/>
+              <a:t>2 6</a:t>
+            </a:r>
+          </a:p>
+          <a:p>
+            <a:r>
+              <a:rPr lang="zh-TW" altLang="en-US" sz="1400" dirty="0"/>
+              <a:t>3 0</a:t>
+            </a:r>
+          </a:p>
+          <a:p>
+            <a:r>
+              <a:rPr lang="zh-TW" altLang="en-US" sz="1400" dirty="0"/>
+              <a:t>4 0</a:t>
+            </a:r>
+          </a:p>
+          <a:p>
+            <a:r>
+              <a:rPr lang="zh-TW" altLang="en-US" sz="1400" dirty="0"/>
+              <a:t>4 2</a:t>
+            </a:r>
+          </a:p>
+          <a:p>
+            <a:r>
+              <a:rPr lang="zh-TW" altLang="en-US" sz="1400" dirty="0"/>
+              <a:t>5 1</a:t>
+            </a:r>
+          </a:p>
+          <a:p>
+            <a:r>
+              <a:rPr lang="zh-TW" altLang="en-US" sz="1400" dirty="0"/>
+              <a:t>5 2</a:t>
+            </a:r>
+          </a:p>
+          <a:p>
+            <a:r>
+              <a:rPr lang="zh-TW" altLang="en-US" sz="1400" dirty="0"/>
+              <a:t>6 2</a:t>
+            </a:r>
+          </a:p>
+        </p:txBody>
+      </p:sp>
+      <p:grpSp>
+        <p:nvGrpSpPr>
+          <p:cNvPr id="41" name="群組 40">
+            <a:extLst>
+              <a:ext uri="{FF2B5EF4-FFF2-40B4-BE49-F238E27FC236}">
+                <a16:creationId xmlns:a16="http://schemas.microsoft.com/office/drawing/2014/main" id="{E17B4DDA-28EF-2538-0E32-91BBB9010026}"/>
+              </a:ext>
+            </a:extLst>
+          </p:cNvPr>
+          <p:cNvGrpSpPr/>
+          <p:nvPr/>
+        </p:nvGrpSpPr>
+        <p:grpSpPr>
+          <a:xfrm>
+            <a:off x="904750" y="1206750"/>
+            <a:ext cx="3839850" cy="2106300"/>
+            <a:chOff x="1184150" y="3264150"/>
+            <a:chExt cx="3839850" cy="2106300"/>
+          </a:xfrm>
+        </p:grpSpPr>
+        <p:sp>
+          <p:nvSpPr>
+            <p:cNvPr id="7" name="橢圓 6">
+              <a:extLst>
+                <a:ext uri="{FF2B5EF4-FFF2-40B4-BE49-F238E27FC236}">
+                  <a16:creationId xmlns:a16="http://schemas.microsoft.com/office/drawing/2014/main" id="{EDE60DDD-561E-9750-1531-A2DA295A32BF}"/>
+                </a:ext>
+              </a:extLst>
+            </p:cNvPr>
+            <p:cNvSpPr/>
+            <p:nvPr/>
+          </p:nvSpPr>
+          <p:spPr>
+            <a:xfrm>
+              <a:off x="1603250" y="3416550"/>
+              <a:ext cx="468000" cy="468000"/>
+            </a:xfrm>
+            <a:prstGeom prst="ellipse">
+              <a:avLst/>
+            </a:prstGeom>
+            <a:noFill/>
+          </p:spPr>
+          <p:style>
+            <a:lnRef idx="2">
+              <a:schemeClr val="accent1">
+                <a:shade val="15000"/>
+              </a:schemeClr>
+            </a:lnRef>
+            <a:fillRef idx="1">
+              <a:schemeClr val="accent1"/>
+            </a:fillRef>
+            <a:effectRef idx="0">
+              <a:schemeClr val="accent1"/>
+            </a:effectRef>
+            <a:fontRef idx="minor">
+              <a:schemeClr val="lt1"/>
+            </a:fontRef>
+          </p:style>
+          <p:txBody>
+            <a:bodyPr rtlCol="0" anchor="ctr"/>
+            <a:lstStyle/>
+            <a:p>
+              <a:pPr algn="ctr"/>
+              <a:r>
+                <a:rPr kumimoji="1" lang="en-US" altLang="zh-TW" dirty="0">
+                  <a:solidFill>
+                    <a:schemeClr val="tx1"/>
+                  </a:solidFill>
+                </a:rPr>
+                <a:t>0</a:t>
+              </a:r>
+              <a:endParaRPr kumimoji="1" lang="zh-TW" altLang="en-US" dirty="0">
+                <a:solidFill>
+                  <a:schemeClr val="tx1"/>
+                </a:solidFill>
+              </a:endParaRPr>
+            </a:p>
+          </p:txBody>
+        </p:sp>
+        <p:sp>
+          <p:nvSpPr>
+            <p:cNvPr id="8" name="橢圓 7">
+              <a:extLst>
+                <a:ext uri="{FF2B5EF4-FFF2-40B4-BE49-F238E27FC236}">
+                  <a16:creationId xmlns:a16="http://schemas.microsoft.com/office/drawing/2014/main" id="{0AA630E2-E22F-2F31-F4E4-70D202B9445A}"/>
+                </a:ext>
+              </a:extLst>
+            </p:cNvPr>
+            <p:cNvSpPr/>
+            <p:nvPr/>
+          </p:nvSpPr>
+          <p:spPr>
+            <a:xfrm>
+              <a:off x="1184150" y="4235700"/>
+              <a:ext cx="468000" cy="468000"/>
+            </a:xfrm>
+            <a:prstGeom prst="ellipse">
+              <a:avLst/>
+            </a:prstGeom>
+            <a:noFill/>
+          </p:spPr>
+          <p:style>
+            <a:lnRef idx="2">
+              <a:schemeClr val="accent1">
+                <a:shade val="15000"/>
+              </a:schemeClr>
+            </a:lnRef>
+            <a:fillRef idx="1">
+              <a:schemeClr val="accent1"/>
+            </a:fillRef>
+            <a:effectRef idx="0">
+              <a:schemeClr val="accent1"/>
+            </a:effectRef>
+            <a:fontRef idx="minor">
+              <a:schemeClr val="lt1"/>
+            </a:fontRef>
+          </p:style>
+          <p:txBody>
+            <a:bodyPr rtlCol="0" anchor="ctr"/>
+            <a:lstStyle/>
+            <a:p>
+              <a:pPr algn="ctr"/>
+              <a:r>
+                <a:rPr kumimoji="1" lang="en-US" altLang="zh-TW" dirty="0">
+                  <a:solidFill>
+                    <a:schemeClr val="tx1"/>
+                  </a:solidFill>
+                </a:rPr>
+                <a:t>3</a:t>
+              </a:r>
+              <a:endParaRPr kumimoji="1" lang="zh-TW" altLang="en-US" dirty="0">
+                <a:solidFill>
+                  <a:schemeClr val="tx1"/>
+                </a:solidFill>
+              </a:endParaRPr>
+            </a:p>
+          </p:txBody>
+        </p:sp>
+        <p:sp>
+          <p:nvSpPr>
+            <p:cNvPr id="9" name="橢圓 8">
+              <a:extLst>
+                <a:ext uri="{FF2B5EF4-FFF2-40B4-BE49-F238E27FC236}">
+                  <a16:creationId xmlns:a16="http://schemas.microsoft.com/office/drawing/2014/main" id="{FA79071D-24D5-7097-5266-2066AFEB7E87}"/>
+                </a:ext>
+              </a:extLst>
+            </p:cNvPr>
+            <p:cNvSpPr/>
+            <p:nvPr/>
+          </p:nvSpPr>
+          <p:spPr>
+            <a:xfrm>
+              <a:off x="2117600" y="4235700"/>
+              <a:ext cx="468000" cy="468000"/>
+            </a:xfrm>
+            <a:prstGeom prst="ellipse">
+              <a:avLst/>
+            </a:prstGeom>
+            <a:noFill/>
+          </p:spPr>
+          <p:style>
+            <a:lnRef idx="2">
+              <a:schemeClr val="accent1">
+                <a:shade val="15000"/>
+              </a:schemeClr>
+            </a:lnRef>
+            <a:fillRef idx="1">
+              <a:schemeClr val="accent1"/>
+            </a:fillRef>
+            <a:effectRef idx="0">
+              <a:schemeClr val="accent1"/>
+            </a:effectRef>
+            <a:fontRef idx="minor">
+              <a:schemeClr val="lt1"/>
+            </a:fontRef>
+          </p:style>
+          <p:txBody>
+            <a:bodyPr rtlCol="0" anchor="ctr"/>
+            <a:lstStyle/>
+            <a:p>
+              <a:pPr algn="ctr"/>
+              <a:r>
+                <a:rPr kumimoji="1" lang="en-US" altLang="zh-TW" dirty="0">
+                  <a:solidFill>
+                    <a:schemeClr val="tx1"/>
+                  </a:solidFill>
+                </a:rPr>
+                <a:t>4</a:t>
+              </a:r>
+              <a:endParaRPr kumimoji="1" lang="zh-TW" altLang="en-US" dirty="0">
+                <a:solidFill>
+                  <a:schemeClr val="tx1"/>
+                </a:solidFill>
+              </a:endParaRPr>
+            </a:p>
+          </p:txBody>
+        </p:sp>
+        <p:sp>
+          <p:nvSpPr>
+            <p:cNvPr id="10" name="橢圓 9">
+              <a:extLst>
+                <a:ext uri="{FF2B5EF4-FFF2-40B4-BE49-F238E27FC236}">
+                  <a16:creationId xmlns:a16="http://schemas.microsoft.com/office/drawing/2014/main" id="{F000D607-1838-19D1-FBA7-0C66F7F05410}"/>
+                </a:ext>
+              </a:extLst>
+            </p:cNvPr>
+            <p:cNvSpPr/>
+            <p:nvPr/>
+          </p:nvSpPr>
+          <p:spPr>
+            <a:xfrm>
+              <a:off x="2974850" y="3359400"/>
+              <a:ext cx="468000" cy="468000"/>
+            </a:xfrm>
+            <a:prstGeom prst="ellipse">
+              <a:avLst/>
+            </a:prstGeom>
+            <a:noFill/>
+          </p:spPr>
+          <p:style>
+            <a:lnRef idx="2">
+              <a:schemeClr val="accent1">
+                <a:shade val="15000"/>
+              </a:schemeClr>
+            </a:lnRef>
+            <a:fillRef idx="1">
+              <a:schemeClr val="accent1"/>
+            </a:fillRef>
+            <a:effectRef idx="0">
+              <a:schemeClr val="accent1"/>
+            </a:effectRef>
+            <a:fontRef idx="minor">
+              <a:schemeClr val="lt1"/>
+            </a:fontRef>
+          </p:style>
+          <p:txBody>
+            <a:bodyPr rtlCol="0" anchor="ctr"/>
+            <a:lstStyle/>
+            <a:p>
+              <a:pPr algn="ctr"/>
+              <a:r>
+                <a:rPr kumimoji="1" lang="en-US" altLang="zh-TW" dirty="0">
+                  <a:solidFill>
+                    <a:schemeClr val="tx1"/>
+                  </a:solidFill>
+                </a:rPr>
+                <a:t>2</a:t>
+              </a:r>
+              <a:endParaRPr kumimoji="1" lang="zh-TW" altLang="en-US" dirty="0">
+                <a:solidFill>
+                  <a:schemeClr val="tx1"/>
+                </a:solidFill>
+              </a:endParaRPr>
+            </a:p>
+          </p:txBody>
+        </p:sp>
+        <p:sp>
+          <p:nvSpPr>
+            <p:cNvPr id="11" name="橢圓 10">
+              <a:extLst>
+                <a:ext uri="{FF2B5EF4-FFF2-40B4-BE49-F238E27FC236}">
+                  <a16:creationId xmlns:a16="http://schemas.microsoft.com/office/drawing/2014/main" id="{B0EC8B03-B9B1-563E-6603-FE13735C0395}"/>
+                </a:ext>
+              </a:extLst>
+            </p:cNvPr>
+            <p:cNvSpPr/>
+            <p:nvPr/>
+          </p:nvSpPr>
+          <p:spPr>
+            <a:xfrm>
+              <a:off x="4039750" y="3862612"/>
+              <a:ext cx="468000" cy="468000"/>
+            </a:xfrm>
+            <a:prstGeom prst="ellipse">
+              <a:avLst/>
+            </a:prstGeom>
+            <a:noFill/>
+          </p:spPr>
+          <p:style>
+            <a:lnRef idx="2">
+              <a:schemeClr val="accent1">
+                <a:shade val="15000"/>
+              </a:schemeClr>
+            </a:lnRef>
+            <a:fillRef idx="1">
+              <a:schemeClr val="accent1"/>
+            </a:fillRef>
+            <a:effectRef idx="0">
+              <a:schemeClr val="accent1"/>
+            </a:effectRef>
+            <a:fontRef idx="minor">
+              <a:schemeClr val="lt1"/>
+            </a:fontRef>
+          </p:style>
+          <p:txBody>
+            <a:bodyPr rtlCol="0" anchor="ctr"/>
+            <a:lstStyle/>
+            <a:p>
+              <a:pPr algn="ctr"/>
+              <a:r>
+                <a:rPr kumimoji="1" lang="en-US" altLang="zh-TW" dirty="0">
+                  <a:solidFill>
+                    <a:schemeClr val="tx1"/>
+                  </a:solidFill>
+                </a:rPr>
+                <a:t>1</a:t>
+              </a:r>
+              <a:endParaRPr kumimoji="1" lang="zh-TW" altLang="en-US" dirty="0">
+                <a:solidFill>
+                  <a:schemeClr val="tx1"/>
+                </a:solidFill>
+              </a:endParaRPr>
+            </a:p>
+          </p:txBody>
+        </p:sp>
+        <p:sp>
+          <p:nvSpPr>
+            <p:cNvPr id="12" name="橢圓 11">
+              <a:extLst>
+                <a:ext uri="{FF2B5EF4-FFF2-40B4-BE49-F238E27FC236}">
+                  <a16:creationId xmlns:a16="http://schemas.microsoft.com/office/drawing/2014/main" id="{F4E7238F-2D91-CC1B-105B-F1E5673AFF6C}"/>
+                </a:ext>
+              </a:extLst>
+            </p:cNvPr>
+            <p:cNvSpPr/>
+            <p:nvPr/>
+          </p:nvSpPr>
+          <p:spPr>
+            <a:xfrm>
+              <a:off x="3565400" y="4902450"/>
+              <a:ext cx="468000" cy="468000"/>
+            </a:xfrm>
+            <a:prstGeom prst="ellipse">
+              <a:avLst/>
+            </a:prstGeom>
+            <a:noFill/>
+          </p:spPr>
+          <p:style>
+            <a:lnRef idx="2">
+              <a:schemeClr val="accent1">
+                <a:shade val="15000"/>
+              </a:schemeClr>
+            </a:lnRef>
+            <a:fillRef idx="1">
+              <a:schemeClr val="accent1"/>
+            </a:fillRef>
+            <a:effectRef idx="0">
+              <a:schemeClr val="accent1"/>
+            </a:effectRef>
+            <a:fontRef idx="minor">
+              <a:schemeClr val="lt1"/>
+            </a:fontRef>
+          </p:style>
+          <p:txBody>
+            <a:bodyPr rtlCol="0" anchor="ctr"/>
+            <a:lstStyle/>
+            <a:p>
+              <a:pPr algn="ctr"/>
+              <a:r>
+                <a:rPr kumimoji="1" lang="en-US" altLang="zh-TW" dirty="0">
+                  <a:solidFill>
+                    <a:schemeClr val="tx1"/>
+                  </a:solidFill>
+                </a:rPr>
+                <a:t>6</a:t>
+              </a:r>
+              <a:endParaRPr kumimoji="1" lang="zh-TW" altLang="en-US" dirty="0">
+                <a:solidFill>
+                  <a:schemeClr val="tx1"/>
+                </a:solidFill>
+              </a:endParaRPr>
+            </a:p>
+          </p:txBody>
+        </p:sp>
+        <p:sp>
+          <p:nvSpPr>
+            <p:cNvPr id="13" name="橢圓 12">
+              <a:extLst>
+                <a:ext uri="{FF2B5EF4-FFF2-40B4-BE49-F238E27FC236}">
+                  <a16:creationId xmlns:a16="http://schemas.microsoft.com/office/drawing/2014/main" id="{1ED9D55B-B6CC-A2B4-079A-316E9152A7AC}"/>
+                </a:ext>
+              </a:extLst>
+            </p:cNvPr>
+            <p:cNvSpPr/>
+            <p:nvPr/>
+          </p:nvSpPr>
+          <p:spPr>
+            <a:xfrm>
+              <a:off x="4556000" y="3264150"/>
+              <a:ext cx="468000" cy="468000"/>
+            </a:xfrm>
+            <a:prstGeom prst="ellipse">
+              <a:avLst/>
+            </a:prstGeom>
+            <a:noFill/>
+          </p:spPr>
+          <p:style>
+            <a:lnRef idx="2">
+              <a:schemeClr val="accent1">
+                <a:shade val="15000"/>
+              </a:schemeClr>
+            </a:lnRef>
+            <a:fillRef idx="1">
+              <a:schemeClr val="accent1"/>
+            </a:fillRef>
+            <a:effectRef idx="0">
+              <a:schemeClr val="accent1"/>
+            </a:effectRef>
+            <a:fontRef idx="minor">
+              <a:schemeClr val="lt1"/>
+            </a:fontRef>
+          </p:style>
+          <p:txBody>
+            <a:bodyPr rtlCol="0" anchor="ctr"/>
+            <a:lstStyle/>
+            <a:p>
+              <a:pPr algn="ctr"/>
+              <a:r>
+                <a:rPr kumimoji="1" lang="en-US" altLang="zh-TW" dirty="0">
+                  <a:solidFill>
+                    <a:schemeClr val="tx1"/>
+                  </a:solidFill>
+                </a:rPr>
+                <a:t>5</a:t>
+              </a:r>
+              <a:endParaRPr kumimoji="1" lang="zh-TW" altLang="en-US" dirty="0">
+                <a:solidFill>
+                  <a:schemeClr val="tx1"/>
+                </a:solidFill>
+              </a:endParaRPr>
+            </a:p>
+          </p:txBody>
+        </p:sp>
+        <p:cxnSp>
+          <p:nvCxnSpPr>
+            <p:cNvPr id="15" name="直線接點 14">
+              <a:extLst>
+                <a:ext uri="{FF2B5EF4-FFF2-40B4-BE49-F238E27FC236}">
+                  <a16:creationId xmlns:a16="http://schemas.microsoft.com/office/drawing/2014/main" id="{1BC7D1FF-E972-D6D7-B0E3-274ACA7F76C6}"/>
+                </a:ext>
+              </a:extLst>
+            </p:cNvPr>
+            <p:cNvCxnSpPr>
+              <a:cxnSpLocks/>
+              <a:stCxn id="8" idx="0"/>
+              <a:endCxn id="7" idx="3"/>
+            </p:cNvCxnSpPr>
+            <p:nvPr/>
+          </p:nvCxnSpPr>
+          <p:spPr>
+            <a:xfrm flipV="1">
+              <a:off x="1418150" y="3816013"/>
+              <a:ext cx="253637" cy="419687"/>
+            </a:xfrm>
+            <a:prstGeom prst="line">
+              <a:avLst/>
+            </a:prstGeom>
+          </p:spPr>
+          <p:style>
+            <a:lnRef idx="2">
+              <a:schemeClr val="accent1"/>
+            </a:lnRef>
+            <a:fillRef idx="0">
+              <a:schemeClr val="accent1"/>
+            </a:fillRef>
+            <a:effectRef idx="1">
+              <a:schemeClr val="accent1"/>
+            </a:effectRef>
+            <a:fontRef idx="minor">
+              <a:schemeClr val="tx1"/>
+            </a:fontRef>
+          </p:style>
+        </p:cxnSp>
+        <p:cxnSp>
+          <p:nvCxnSpPr>
+            <p:cNvPr id="18" name="直線接點 17">
+              <a:extLst>
+                <a:ext uri="{FF2B5EF4-FFF2-40B4-BE49-F238E27FC236}">
+                  <a16:creationId xmlns:a16="http://schemas.microsoft.com/office/drawing/2014/main" id="{C7892ED1-FB79-DDD9-4F43-93E87AFFCAA1}"/>
+                </a:ext>
+              </a:extLst>
+            </p:cNvPr>
+            <p:cNvCxnSpPr>
+              <a:cxnSpLocks/>
+              <a:stCxn id="9" idx="0"/>
+              <a:endCxn id="7" idx="5"/>
+            </p:cNvCxnSpPr>
+            <p:nvPr/>
+          </p:nvCxnSpPr>
+          <p:spPr>
+            <a:xfrm flipH="1" flipV="1">
+              <a:off x="2002713" y="3816013"/>
+              <a:ext cx="348887" cy="419687"/>
+            </a:xfrm>
+            <a:prstGeom prst="line">
+              <a:avLst/>
+            </a:prstGeom>
+          </p:spPr>
+          <p:style>
+            <a:lnRef idx="2">
+              <a:schemeClr val="accent1"/>
+            </a:lnRef>
+            <a:fillRef idx="0">
+              <a:schemeClr val="accent1"/>
+            </a:fillRef>
+            <a:effectRef idx="1">
+              <a:schemeClr val="accent1"/>
+            </a:effectRef>
+            <a:fontRef idx="minor">
+              <a:schemeClr val="tx1"/>
+            </a:fontRef>
+          </p:style>
+        </p:cxnSp>
+        <p:cxnSp>
+          <p:nvCxnSpPr>
+            <p:cNvPr id="22" name="直線接點 21">
+              <a:extLst>
+                <a:ext uri="{FF2B5EF4-FFF2-40B4-BE49-F238E27FC236}">
+                  <a16:creationId xmlns:a16="http://schemas.microsoft.com/office/drawing/2014/main" id="{B74C44DE-9DB2-B0BA-F0AD-6BAFBCAF384B}"/>
+                </a:ext>
+              </a:extLst>
+            </p:cNvPr>
+            <p:cNvCxnSpPr>
+              <a:cxnSpLocks/>
+              <a:stCxn id="10" idx="2"/>
+              <a:endCxn id="7" idx="6"/>
+            </p:cNvCxnSpPr>
+            <p:nvPr/>
+          </p:nvCxnSpPr>
+          <p:spPr>
+            <a:xfrm flipH="1">
+              <a:off x="2071250" y="3593400"/>
+              <a:ext cx="903600" cy="57150"/>
+            </a:xfrm>
+            <a:prstGeom prst="line">
+              <a:avLst/>
+            </a:prstGeom>
+          </p:spPr>
+          <p:style>
+            <a:lnRef idx="2">
+              <a:schemeClr val="accent1"/>
+            </a:lnRef>
+            <a:fillRef idx="0">
+              <a:schemeClr val="accent1"/>
+            </a:fillRef>
+            <a:effectRef idx="1">
+              <a:schemeClr val="accent1"/>
+            </a:effectRef>
+            <a:fontRef idx="minor">
+              <a:schemeClr val="tx1"/>
+            </a:fontRef>
+          </p:style>
+        </p:cxnSp>
+        <p:cxnSp>
+          <p:nvCxnSpPr>
+            <p:cNvPr id="25" name="直線接點 24">
+              <a:extLst>
+                <a:ext uri="{FF2B5EF4-FFF2-40B4-BE49-F238E27FC236}">
+                  <a16:creationId xmlns:a16="http://schemas.microsoft.com/office/drawing/2014/main" id="{56850085-2290-1BC6-2EFB-4F229345ABEE}"/>
+                </a:ext>
+              </a:extLst>
+            </p:cNvPr>
+            <p:cNvCxnSpPr>
+              <a:cxnSpLocks/>
+              <a:stCxn id="10" idx="4"/>
+              <a:endCxn id="9" idx="6"/>
+            </p:cNvCxnSpPr>
+            <p:nvPr/>
+          </p:nvCxnSpPr>
+          <p:spPr>
+            <a:xfrm flipH="1">
+              <a:off x="2585600" y="3827400"/>
+              <a:ext cx="623250" cy="642300"/>
+            </a:xfrm>
+            <a:prstGeom prst="line">
+              <a:avLst/>
+            </a:prstGeom>
+          </p:spPr>
+          <p:style>
+            <a:lnRef idx="2">
+              <a:schemeClr val="accent1"/>
+            </a:lnRef>
+            <a:fillRef idx="0">
+              <a:schemeClr val="accent1"/>
+            </a:fillRef>
+            <a:effectRef idx="1">
+              <a:schemeClr val="accent1"/>
+            </a:effectRef>
+            <a:fontRef idx="minor">
+              <a:schemeClr val="tx1"/>
+            </a:fontRef>
+          </p:style>
+        </p:cxnSp>
+        <p:cxnSp>
+          <p:nvCxnSpPr>
+            <p:cNvPr id="28" name="直線接點 27">
+              <a:extLst>
+                <a:ext uri="{FF2B5EF4-FFF2-40B4-BE49-F238E27FC236}">
+                  <a16:creationId xmlns:a16="http://schemas.microsoft.com/office/drawing/2014/main" id="{C63FEDC4-97D1-FE05-1CEE-77B205E3DD90}"/>
+                </a:ext>
+              </a:extLst>
+            </p:cNvPr>
+            <p:cNvCxnSpPr>
+              <a:cxnSpLocks/>
+              <a:stCxn id="10" idx="5"/>
+              <a:endCxn id="12" idx="0"/>
+            </p:cNvCxnSpPr>
+            <p:nvPr/>
+          </p:nvCxnSpPr>
+          <p:spPr>
+            <a:xfrm>
+              <a:off x="3374313" y="3758863"/>
+              <a:ext cx="425087" cy="1143587"/>
+            </a:xfrm>
+            <a:prstGeom prst="line">
+              <a:avLst/>
+            </a:prstGeom>
+          </p:spPr>
+          <p:style>
+            <a:lnRef idx="2">
+              <a:schemeClr val="accent1"/>
+            </a:lnRef>
+            <a:fillRef idx="0">
+              <a:schemeClr val="accent1"/>
+            </a:fillRef>
+            <a:effectRef idx="1">
+              <a:schemeClr val="accent1"/>
+            </a:effectRef>
+            <a:fontRef idx="minor">
+              <a:schemeClr val="tx1"/>
+            </a:fontRef>
+          </p:style>
+        </p:cxnSp>
+        <p:cxnSp>
+          <p:nvCxnSpPr>
+            <p:cNvPr id="31" name="直線接點 30">
+              <a:extLst>
+                <a:ext uri="{FF2B5EF4-FFF2-40B4-BE49-F238E27FC236}">
+                  <a16:creationId xmlns:a16="http://schemas.microsoft.com/office/drawing/2014/main" id="{61761D41-D5AE-1614-84FA-3081F32B1020}"/>
+                </a:ext>
+              </a:extLst>
+            </p:cNvPr>
+            <p:cNvCxnSpPr>
+              <a:cxnSpLocks/>
+              <a:stCxn id="10" idx="6"/>
+              <a:endCxn id="11" idx="1"/>
+            </p:cNvCxnSpPr>
+            <p:nvPr/>
+          </p:nvCxnSpPr>
+          <p:spPr>
+            <a:xfrm>
+              <a:off x="3442850" y="3593400"/>
+              <a:ext cx="665437" cy="337749"/>
+            </a:xfrm>
+            <a:prstGeom prst="line">
+              <a:avLst/>
+            </a:prstGeom>
+          </p:spPr>
+          <p:style>
+            <a:lnRef idx="2">
+              <a:schemeClr val="accent1"/>
+            </a:lnRef>
+            <a:fillRef idx="0">
+              <a:schemeClr val="accent1"/>
+            </a:fillRef>
+            <a:effectRef idx="1">
+              <a:schemeClr val="accent1"/>
+            </a:effectRef>
+            <a:fontRef idx="minor">
+              <a:schemeClr val="tx1"/>
+            </a:fontRef>
+          </p:style>
+        </p:cxnSp>
+        <p:cxnSp>
+          <p:nvCxnSpPr>
+            <p:cNvPr id="34" name="直線接點 33">
+              <a:extLst>
+                <a:ext uri="{FF2B5EF4-FFF2-40B4-BE49-F238E27FC236}">
+                  <a16:creationId xmlns:a16="http://schemas.microsoft.com/office/drawing/2014/main" id="{96533E6C-0480-FAFE-C066-A4384B397610}"/>
+                </a:ext>
+              </a:extLst>
+            </p:cNvPr>
+            <p:cNvCxnSpPr>
+              <a:cxnSpLocks/>
+              <a:stCxn id="13" idx="2"/>
+              <a:endCxn id="11" idx="0"/>
+            </p:cNvCxnSpPr>
+            <p:nvPr/>
+          </p:nvCxnSpPr>
+          <p:spPr>
+            <a:xfrm flipH="1">
+              <a:off x="4273750" y="3498150"/>
+              <a:ext cx="282250" cy="364462"/>
+            </a:xfrm>
+            <a:prstGeom prst="line">
+              <a:avLst/>
+            </a:prstGeom>
+          </p:spPr>
+          <p:style>
+            <a:lnRef idx="2">
+              <a:schemeClr val="accent1"/>
+            </a:lnRef>
+            <a:fillRef idx="0">
+              <a:schemeClr val="accent1"/>
+            </a:fillRef>
+            <a:effectRef idx="1">
+              <a:schemeClr val="accent1"/>
+            </a:effectRef>
+            <a:fontRef idx="minor">
+              <a:schemeClr val="tx1"/>
+            </a:fontRef>
+          </p:style>
+        </p:cxnSp>
+        <p:cxnSp>
+          <p:nvCxnSpPr>
+            <p:cNvPr id="38" name="直線接點 37">
+              <a:extLst>
+                <a:ext uri="{FF2B5EF4-FFF2-40B4-BE49-F238E27FC236}">
+                  <a16:creationId xmlns:a16="http://schemas.microsoft.com/office/drawing/2014/main" id="{9882B8A6-AC76-3E72-24B8-D67E4D3BB647}"/>
+                </a:ext>
+              </a:extLst>
+            </p:cNvPr>
+            <p:cNvCxnSpPr>
+              <a:cxnSpLocks/>
+              <a:stCxn id="10" idx="7"/>
+              <a:endCxn id="13" idx="1"/>
+            </p:cNvCxnSpPr>
+            <p:nvPr/>
+          </p:nvCxnSpPr>
+          <p:spPr>
+            <a:xfrm flipV="1">
+              <a:off x="3374313" y="3332687"/>
+              <a:ext cx="1250224" cy="95250"/>
+            </a:xfrm>
+            <a:prstGeom prst="line">
+              <a:avLst/>
+            </a:prstGeom>
+          </p:spPr>
+          <p:style>
+            <a:lnRef idx="2">
+              <a:schemeClr val="accent1"/>
+            </a:lnRef>
+            <a:fillRef idx="0">
+              <a:schemeClr val="accent1"/>
+            </a:fillRef>
+            <a:effectRef idx="1">
+              <a:schemeClr val="accent1"/>
+            </a:effectRef>
+            <a:fontRef idx="minor">
+              <a:schemeClr val="tx1"/>
+            </a:fontRef>
+          </p:style>
+        </p:cxnSp>
+      </p:grpSp>
+      <p:sp>
+        <p:nvSpPr>
+          <p:cNvPr id="43" name="文字方塊 42">
+            <a:extLst>
+              <a:ext uri="{FF2B5EF4-FFF2-40B4-BE49-F238E27FC236}">
+                <a16:creationId xmlns:a16="http://schemas.microsoft.com/office/drawing/2014/main" id="{18EBB40D-28B0-5D17-C5A7-16E8C15B36D2}"/>
+              </a:ext>
+            </a:extLst>
+          </p:cNvPr>
+          <p:cNvSpPr txBox="1"/>
+          <p:nvPr/>
+        </p:nvSpPr>
+        <p:spPr>
+          <a:xfrm>
+            <a:off x="5179450" y="900918"/>
+            <a:ext cx="2020432" cy="307777"/>
+          </a:xfrm>
+          <a:prstGeom prst="rect">
+            <a:avLst/>
+          </a:prstGeom>
+          <a:noFill/>
+        </p:spPr>
+        <p:txBody>
+          <a:bodyPr wrap="square">
+            <a:spAutoFit/>
+          </a:bodyPr>
+          <a:lstStyle/>
+          <a:p>
+            <a:r>
+              <a:rPr lang="zh-TW" altLang="en-US" sz="1400" dirty="0">
+                <a:highlight>
+                  <a:srgbClr val="FFFF00"/>
+                </a:highlight>
+              </a:rPr>
+              <a:t>graph_</a:t>
+            </a:r>
+            <a:r>
+              <a:rPr lang="en-US" altLang="zh-TW" sz="1400" dirty="0" err="1">
+                <a:highlight>
+                  <a:srgbClr val="FFFF00"/>
+                </a:highlight>
+              </a:rPr>
+              <a:t>bfs</a:t>
+            </a:r>
+            <a:r>
+              <a:rPr lang="en-US" altLang="zh-TW" sz="1400" dirty="0">
+                <a:highlight>
+                  <a:srgbClr val="FFFF00"/>
+                </a:highlight>
+              </a:rPr>
+              <a:t>_</a:t>
+            </a:r>
+            <a:r>
+              <a:rPr lang="zh-TW" altLang="en-US" sz="1400" dirty="0">
+                <a:highlight>
+                  <a:srgbClr val="FFFF00"/>
+                </a:highlight>
+              </a:rPr>
+              <a:t>traverse.txt</a:t>
+            </a:r>
+          </a:p>
+        </p:txBody>
+      </p:sp>
+    </p:spTree>
+    <p:extLst>
+      <p:ext uri="{BB962C8B-B14F-4D97-AF65-F5344CB8AC3E}">
+        <p14:creationId xmlns:p14="http://schemas.microsoft.com/office/powerpoint/2010/main" val="2248505801"/>
+      </p:ext>
+    </p:extLst>
+  </p:cSld>
+  <p:clrMapOvr>
+    <a:masterClrMapping/>
+  </p:clrMapOvr>
+</p:sld>
+</file>
+
+<file path=ppt/slides/slide6.xml><?xml version="1.0" encoding="utf-8"?>
+<p:sld xmlns:a="http://schemas.openxmlformats.org/drawingml/2006/main" xmlns:r="http://schemas.openxmlformats.org/officeDocument/2006/relationships" xmlns:p="http://schemas.openxmlformats.org/presentationml/2006/main">
+  <p:cSld>
+    <p:spTree>
+      <p:nvGrpSpPr>
+        <p:cNvPr id="1" name="">
+          <a:extLst>
+            <a:ext uri="{FF2B5EF4-FFF2-40B4-BE49-F238E27FC236}">
+              <a16:creationId xmlns:a16="http://schemas.microsoft.com/office/drawing/2014/main" id="{E9FA9D47-2C8F-8768-4BFF-5FB6B29E898D}"/>
+            </a:ext>
+          </a:extLst>
+        </p:cNvPr>
+        <p:cNvGrpSpPr/>
+        <p:nvPr/>
+      </p:nvGrpSpPr>
+      <p:grpSpPr>
+        <a:xfrm>
+          <a:off x="0" y="0"/>
+          <a:ext cx="0" cy="0"/>
+          <a:chOff x="0" y="0"/>
+          <a:chExt cx="0" cy="0"/>
+        </a:xfrm>
+      </p:grpSpPr>
+      <p:sp>
+        <p:nvSpPr>
+          <p:cNvPr id="5" name="文字方塊 4">
+            <a:extLst>
+              <a:ext uri="{FF2B5EF4-FFF2-40B4-BE49-F238E27FC236}">
+                <a16:creationId xmlns:a16="http://schemas.microsoft.com/office/drawing/2014/main" id="{C50F8B99-3509-A226-41EA-5397B038DB7D}"/>
+              </a:ext>
+            </a:extLst>
+          </p:cNvPr>
+          <p:cNvSpPr txBox="1"/>
+          <p:nvPr/>
+        </p:nvSpPr>
+        <p:spPr>
+          <a:xfrm>
+            <a:off x="5176037" y="1206750"/>
+            <a:ext cx="1238250" cy="3754874"/>
+          </a:xfrm>
+          <a:prstGeom prst="rect">
+            <a:avLst/>
+          </a:prstGeom>
+          <a:noFill/>
+        </p:spPr>
+        <p:txBody>
+          <a:bodyPr wrap="square">
+            <a:spAutoFit/>
+          </a:bodyPr>
+          <a:lstStyle/>
+          <a:p>
+            <a:r>
+              <a:rPr lang="en-US" altLang="zh-TW" sz="1400" dirty="0"/>
+              <a:t>7 16</a:t>
+            </a:r>
+          </a:p>
+          <a:p>
+            <a:r>
+              <a:rPr lang="en-US" altLang="zh-TW" sz="1400" dirty="0"/>
+              <a:t>0 4</a:t>
+            </a:r>
+          </a:p>
+          <a:p>
+            <a:r>
+              <a:rPr lang="en-US" altLang="zh-TW" sz="1400" dirty="0"/>
+              <a:t>0 3</a:t>
+            </a:r>
+          </a:p>
+          <a:p>
+            <a:r>
+              <a:rPr lang="en-US" altLang="zh-TW" sz="1400" dirty="0"/>
+              <a:t>0 2</a:t>
+            </a:r>
+          </a:p>
+          <a:p>
+            <a:r>
+              <a:rPr lang="en-US" altLang="zh-TW" sz="1400" dirty="0"/>
+              <a:t>1 2</a:t>
+            </a:r>
+          </a:p>
+          <a:p>
+            <a:r>
+              <a:rPr lang="en-US" altLang="zh-TW" sz="1400" dirty="0"/>
+              <a:t>1 5</a:t>
+            </a:r>
+          </a:p>
+          <a:p>
+            <a:r>
+              <a:rPr lang="en-US" altLang="zh-TW" sz="1400" dirty="0"/>
+              <a:t>2 0</a:t>
+            </a:r>
+          </a:p>
+          <a:p>
+            <a:r>
+              <a:rPr lang="en-US" altLang="zh-TW" sz="1400" dirty="0"/>
+              <a:t>2 6</a:t>
+            </a:r>
+          </a:p>
+          <a:p>
+            <a:r>
+              <a:rPr lang="en-US" altLang="zh-TW" sz="1400" dirty="0"/>
+              <a:t>2 5</a:t>
+            </a:r>
+          </a:p>
+          <a:p>
+            <a:r>
+              <a:rPr lang="en-US" altLang="zh-TW" sz="1400" dirty="0"/>
+              <a:t>2 4</a:t>
+            </a:r>
+          </a:p>
+          <a:p>
+            <a:r>
+              <a:rPr lang="en-US" altLang="zh-TW" sz="1400" dirty="0"/>
+              <a:t>2 1</a:t>
+            </a:r>
+          </a:p>
+          <a:p>
+            <a:r>
+              <a:rPr lang="en-US" altLang="zh-TW" sz="1400" dirty="0"/>
+              <a:t>3 0</a:t>
+            </a:r>
+          </a:p>
+          <a:p>
+            <a:r>
+              <a:rPr lang="en-US" altLang="zh-TW" sz="1400" dirty="0"/>
+              <a:t>4 0</a:t>
+            </a:r>
+          </a:p>
+          <a:p>
+            <a:r>
+              <a:rPr lang="en-US" altLang="zh-TW" sz="1400" dirty="0"/>
+              <a:t>4 2</a:t>
+            </a:r>
+          </a:p>
+          <a:p>
+            <a:r>
+              <a:rPr lang="en-US" altLang="zh-TW" sz="1400" dirty="0"/>
+              <a:t>5 1</a:t>
+            </a:r>
+          </a:p>
+          <a:p>
+            <a:r>
+              <a:rPr lang="en-US" altLang="zh-TW" sz="1400" dirty="0"/>
+              <a:t>5 2</a:t>
+            </a:r>
+          </a:p>
+          <a:p>
+            <a:r>
+              <a:rPr lang="en-US" altLang="zh-TW" sz="1400" dirty="0"/>
+              <a:t>6 2</a:t>
+            </a:r>
+            <a:endParaRPr lang="zh-TW" altLang="en-US" sz="1400" dirty="0"/>
+          </a:p>
+        </p:txBody>
+      </p:sp>
+      <p:grpSp>
+        <p:nvGrpSpPr>
+          <p:cNvPr id="41" name="群組 40">
+            <a:extLst>
+              <a:ext uri="{FF2B5EF4-FFF2-40B4-BE49-F238E27FC236}">
+                <a16:creationId xmlns:a16="http://schemas.microsoft.com/office/drawing/2014/main" id="{1B95ECAD-A4BA-C2D0-A572-9E698C6BCAD9}"/>
+              </a:ext>
+            </a:extLst>
+          </p:cNvPr>
+          <p:cNvGrpSpPr/>
+          <p:nvPr/>
+        </p:nvGrpSpPr>
+        <p:grpSpPr>
+          <a:xfrm>
+            <a:off x="904750" y="1206750"/>
+            <a:ext cx="3839850" cy="2106300"/>
+            <a:chOff x="1184150" y="3264150"/>
+            <a:chExt cx="3839850" cy="2106300"/>
+          </a:xfrm>
+        </p:grpSpPr>
+        <p:sp>
+          <p:nvSpPr>
+            <p:cNvPr id="7" name="橢圓 6">
+              <a:extLst>
+                <a:ext uri="{FF2B5EF4-FFF2-40B4-BE49-F238E27FC236}">
+                  <a16:creationId xmlns:a16="http://schemas.microsoft.com/office/drawing/2014/main" id="{52590DAC-CF9E-5E17-9C80-64BA5A095A74}"/>
+                </a:ext>
+              </a:extLst>
+            </p:cNvPr>
+            <p:cNvSpPr/>
+            <p:nvPr/>
+          </p:nvSpPr>
+          <p:spPr>
+            <a:xfrm>
+              <a:off x="1603250" y="3416550"/>
+              <a:ext cx="468000" cy="468000"/>
+            </a:xfrm>
+            <a:prstGeom prst="ellipse">
+              <a:avLst/>
+            </a:prstGeom>
+            <a:noFill/>
+          </p:spPr>
+          <p:style>
+            <a:lnRef idx="2">
+              <a:schemeClr val="accent1">
+                <a:shade val="15000"/>
+              </a:schemeClr>
+            </a:lnRef>
+            <a:fillRef idx="1">
+              <a:schemeClr val="accent1"/>
+            </a:fillRef>
+            <a:effectRef idx="0">
+              <a:schemeClr val="accent1"/>
+            </a:effectRef>
+            <a:fontRef idx="minor">
+              <a:schemeClr val="lt1"/>
+            </a:fontRef>
+          </p:style>
+          <p:txBody>
+            <a:bodyPr rtlCol="0" anchor="ctr"/>
+            <a:lstStyle/>
+            <a:p>
+              <a:pPr algn="ctr"/>
+              <a:r>
+                <a:rPr kumimoji="1" lang="en-US" altLang="zh-TW" dirty="0">
+                  <a:solidFill>
+                    <a:schemeClr val="tx1"/>
+                  </a:solidFill>
+                </a:rPr>
+                <a:t>0</a:t>
+              </a:r>
+              <a:endParaRPr kumimoji="1" lang="zh-TW" altLang="en-US" dirty="0">
+                <a:solidFill>
+                  <a:schemeClr val="tx1"/>
+                </a:solidFill>
+              </a:endParaRPr>
+            </a:p>
+          </p:txBody>
+        </p:sp>
+        <p:sp>
+          <p:nvSpPr>
+            <p:cNvPr id="8" name="橢圓 7">
+              <a:extLst>
+                <a:ext uri="{FF2B5EF4-FFF2-40B4-BE49-F238E27FC236}">
+                  <a16:creationId xmlns:a16="http://schemas.microsoft.com/office/drawing/2014/main" id="{C07C710E-9A29-392F-4B59-64B53F5829B5}"/>
+                </a:ext>
+              </a:extLst>
+            </p:cNvPr>
+            <p:cNvSpPr/>
+            <p:nvPr/>
+          </p:nvSpPr>
+          <p:spPr>
+            <a:xfrm>
+              <a:off x="1184150" y="4235700"/>
+              <a:ext cx="468000" cy="468000"/>
+            </a:xfrm>
+            <a:prstGeom prst="ellipse">
+              <a:avLst/>
+            </a:prstGeom>
+            <a:noFill/>
+          </p:spPr>
+          <p:style>
+            <a:lnRef idx="2">
+              <a:schemeClr val="accent1">
+                <a:shade val="15000"/>
+              </a:schemeClr>
+            </a:lnRef>
+            <a:fillRef idx="1">
+              <a:schemeClr val="accent1"/>
+            </a:fillRef>
+            <a:effectRef idx="0">
+              <a:schemeClr val="accent1"/>
+            </a:effectRef>
+            <a:fontRef idx="minor">
+              <a:schemeClr val="lt1"/>
+            </a:fontRef>
+          </p:style>
+          <p:txBody>
+            <a:bodyPr rtlCol="0" anchor="ctr"/>
+            <a:lstStyle/>
+            <a:p>
+              <a:pPr algn="ctr"/>
+              <a:r>
+                <a:rPr kumimoji="1" lang="en-US" altLang="zh-TW" dirty="0">
+                  <a:solidFill>
+                    <a:schemeClr val="tx1"/>
+                  </a:solidFill>
+                </a:rPr>
+                <a:t>3</a:t>
+              </a:r>
+              <a:endParaRPr kumimoji="1" lang="zh-TW" altLang="en-US" dirty="0">
+                <a:solidFill>
+                  <a:schemeClr val="tx1"/>
+                </a:solidFill>
+              </a:endParaRPr>
+            </a:p>
+          </p:txBody>
+        </p:sp>
+        <p:sp>
+          <p:nvSpPr>
+            <p:cNvPr id="9" name="橢圓 8">
+              <a:extLst>
+                <a:ext uri="{FF2B5EF4-FFF2-40B4-BE49-F238E27FC236}">
+                  <a16:creationId xmlns:a16="http://schemas.microsoft.com/office/drawing/2014/main" id="{54ABC2CB-5981-0F11-065E-0B7DB11F0070}"/>
+                </a:ext>
+              </a:extLst>
+            </p:cNvPr>
+            <p:cNvSpPr/>
+            <p:nvPr/>
+          </p:nvSpPr>
+          <p:spPr>
+            <a:xfrm>
+              <a:off x="2117600" y="4235700"/>
+              <a:ext cx="468000" cy="468000"/>
+            </a:xfrm>
+            <a:prstGeom prst="ellipse">
+              <a:avLst/>
+            </a:prstGeom>
+            <a:noFill/>
+          </p:spPr>
+          <p:style>
+            <a:lnRef idx="2">
+              <a:schemeClr val="accent1">
+                <a:shade val="15000"/>
+              </a:schemeClr>
+            </a:lnRef>
+            <a:fillRef idx="1">
+              <a:schemeClr val="accent1"/>
+            </a:fillRef>
+            <a:effectRef idx="0">
+              <a:schemeClr val="accent1"/>
+            </a:effectRef>
+            <a:fontRef idx="minor">
+              <a:schemeClr val="lt1"/>
+            </a:fontRef>
+          </p:style>
+          <p:txBody>
+            <a:bodyPr rtlCol="0" anchor="ctr"/>
+            <a:lstStyle/>
+            <a:p>
+              <a:pPr algn="ctr"/>
+              <a:r>
+                <a:rPr kumimoji="1" lang="en-US" altLang="zh-TW" dirty="0">
+                  <a:solidFill>
+                    <a:schemeClr val="tx1"/>
+                  </a:solidFill>
+                </a:rPr>
+                <a:t>4</a:t>
+              </a:r>
+              <a:endParaRPr kumimoji="1" lang="zh-TW" altLang="en-US" dirty="0">
+                <a:solidFill>
+                  <a:schemeClr val="tx1"/>
+                </a:solidFill>
+              </a:endParaRPr>
+            </a:p>
+          </p:txBody>
+        </p:sp>
+        <p:sp>
+          <p:nvSpPr>
+            <p:cNvPr id="10" name="橢圓 9">
+              <a:extLst>
+                <a:ext uri="{FF2B5EF4-FFF2-40B4-BE49-F238E27FC236}">
+                  <a16:creationId xmlns:a16="http://schemas.microsoft.com/office/drawing/2014/main" id="{89D31D92-1D28-00C7-A5E6-8B75426644B8}"/>
+                </a:ext>
+              </a:extLst>
+            </p:cNvPr>
+            <p:cNvSpPr/>
+            <p:nvPr/>
+          </p:nvSpPr>
+          <p:spPr>
+            <a:xfrm>
+              <a:off x="2974850" y="3359400"/>
+              <a:ext cx="468000" cy="468000"/>
+            </a:xfrm>
+            <a:prstGeom prst="ellipse">
+              <a:avLst/>
+            </a:prstGeom>
+            <a:noFill/>
+          </p:spPr>
+          <p:style>
+            <a:lnRef idx="2">
+              <a:schemeClr val="accent1">
+                <a:shade val="15000"/>
+              </a:schemeClr>
+            </a:lnRef>
+            <a:fillRef idx="1">
+              <a:schemeClr val="accent1"/>
+            </a:fillRef>
+            <a:effectRef idx="0">
+              <a:schemeClr val="accent1"/>
+            </a:effectRef>
+            <a:fontRef idx="minor">
+              <a:schemeClr val="lt1"/>
+            </a:fontRef>
+          </p:style>
+          <p:txBody>
+            <a:bodyPr rtlCol="0" anchor="ctr"/>
+            <a:lstStyle/>
+            <a:p>
+              <a:pPr algn="ctr"/>
+              <a:r>
+                <a:rPr kumimoji="1" lang="en-US" altLang="zh-TW" dirty="0">
+                  <a:solidFill>
+                    <a:schemeClr val="tx1"/>
+                  </a:solidFill>
+                </a:rPr>
+                <a:t>2</a:t>
+              </a:r>
+              <a:endParaRPr kumimoji="1" lang="zh-TW" altLang="en-US" dirty="0">
+                <a:solidFill>
+                  <a:schemeClr val="tx1"/>
+                </a:solidFill>
+              </a:endParaRPr>
+            </a:p>
+          </p:txBody>
+        </p:sp>
+        <p:sp>
+          <p:nvSpPr>
+            <p:cNvPr id="11" name="橢圓 10">
+              <a:extLst>
+                <a:ext uri="{FF2B5EF4-FFF2-40B4-BE49-F238E27FC236}">
+                  <a16:creationId xmlns:a16="http://schemas.microsoft.com/office/drawing/2014/main" id="{439280C4-841F-22AD-6335-6B690FD75BCB}"/>
+                </a:ext>
+              </a:extLst>
+            </p:cNvPr>
+            <p:cNvSpPr/>
+            <p:nvPr/>
+          </p:nvSpPr>
+          <p:spPr>
+            <a:xfrm>
+              <a:off x="4039750" y="3862612"/>
+              <a:ext cx="468000" cy="468000"/>
+            </a:xfrm>
+            <a:prstGeom prst="ellipse">
+              <a:avLst/>
+            </a:prstGeom>
+            <a:noFill/>
+          </p:spPr>
+          <p:style>
+            <a:lnRef idx="2">
+              <a:schemeClr val="accent1">
+                <a:shade val="15000"/>
+              </a:schemeClr>
+            </a:lnRef>
+            <a:fillRef idx="1">
+              <a:schemeClr val="accent1"/>
+            </a:fillRef>
+            <a:effectRef idx="0">
+              <a:schemeClr val="accent1"/>
+            </a:effectRef>
+            <a:fontRef idx="minor">
+              <a:schemeClr val="lt1"/>
+            </a:fontRef>
+          </p:style>
+          <p:txBody>
+            <a:bodyPr rtlCol="0" anchor="ctr"/>
+            <a:lstStyle/>
+            <a:p>
+              <a:pPr algn="ctr"/>
+              <a:r>
+                <a:rPr kumimoji="1" lang="en-US" altLang="zh-TW" dirty="0">
+                  <a:solidFill>
+                    <a:schemeClr val="tx1"/>
+                  </a:solidFill>
+                </a:rPr>
+                <a:t>1</a:t>
+              </a:r>
+              <a:endParaRPr kumimoji="1" lang="zh-TW" altLang="en-US" dirty="0">
+                <a:solidFill>
+                  <a:schemeClr val="tx1"/>
+                </a:solidFill>
+              </a:endParaRPr>
+            </a:p>
+          </p:txBody>
+        </p:sp>
+        <p:sp>
+          <p:nvSpPr>
+            <p:cNvPr id="12" name="橢圓 11">
+              <a:extLst>
+                <a:ext uri="{FF2B5EF4-FFF2-40B4-BE49-F238E27FC236}">
+                  <a16:creationId xmlns:a16="http://schemas.microsoft.com/office/drawing/2014/main" id="{57AE21E7-32BA-833F-CECB-D1B5210F2EF7}"/>
+                </a:ext>
+              </a:extLst>
+            </p:cNvPr>
+            <p:cNvSpPr/>
+            <p:nvPr/>
+          </p:nvSpPr>
+          <p:spPr>
+            <a:xfrm>
+              <a:off x="3565400" y="4902450"/>
+              <a:ext cx="468000" cy="468000"/>
+            </a:xfrm>
+            <a:prstGeom prst="ellipse">
+              <a:avLst/>
+            </a:prstGeom>
+            <a:noFill/>
+          </p:spPr>
+          <p:style>
+            <a:lnRef idx="2">
+              <a:schemeClr val="accent1">
+                <a:shade val="15000"/>
+              </a:schemeClr>
+            </a:lnRef>
+            <a:fillRef idx="1">
+              <a:schemeClr val="accent1"/>
+            </a:fillRef>
+            <a:effectRef idx="0">
+              <a:schemeClr val="accent1"/>
+            </a:effectRef>
+            <a:fontRef idx="minor">
+              <a:schemeClr val="lt1"/>
+            </a:fontRef>
+          </p:style>
+          <p:txBody>
+            <a:bodyPr rtlCol="0" anchor="ctr"/>
+            <a:lstStyle/>
+            <a:p>
+              <a:pPr algn="ctr"/>
+              <a:r>
+                <a:rPr kumimoji="1" lang="en-US" altLang="zh-TW" dirty="0">
+                  <a:solidFill>
+                    <a:schemeClr val="tx1"/>
+                  </a:solidFill>
+                </a:rPr>
+                <a:t>6</a:t>
+              </a:r>
+              <a:endParaRPr kumimoji="1" lang="zh-TW" altLang="en-US" dirty="0">
+                <a:solidFill>
+                  <a:schemeClr val="tx1"/>
+                </a:solidFill>
+              </a:endParaRPr>
+            </a:p>
+          </p:txBody>
+        </p:sp>
+        <p:sp>
+          <p:nvSpPr>
+            <p:cNvPr id="13" name="橢圓 12">
+              <a:extLst>
+                <a:ext uri="{FF2B5EF4-FFF2-40B4-BE49-F238E27FC236}">
+                  <a16:creationId xmlns:a16="http://schemas.microsoft.com/office/drawing/2014/main" id="{5B43CACA-81BC-B332-D2CC-24D63B3ED4CE}"/>
+                </a:ext>
+              </a:extLst>
+            </p:cNvPr>
+            <p:cNvSpPr/>
+            <p:nvPr/>
+          </p:nvSpPr>
+          <p:spPr>
+            <a:xfrm>
+              <a:off x="4556000" y="3264150"/>
+              <a:ext cx="468000" cy="468000"/>
+            </a:xfrm>
+            <a:prstGeom prst="ellipse">
+              <a:avLst/>
+            </a:prstGeom>
+            <a:noFill/>
+          </p:spPr>
+          <p:style>
+            <a:lnRef idx="2">
+              <a:schemeClr val="accent1">
+                <a:shade val="15000"/>
+              </a:schemeClr>
+            </a:lnRef>
+            <a:fillRef idx="1">
+              <a:schemeClr val="accent1"/>
+            </a:fillRef>
+            <a:effectRef idx="0">
+              <a:schemeClr val="accent1"/>
+            </a:effectRef>
+            <a:fontRef idx="minor">
+              <a:schemeClr val="lt1"/>
+            </a:fontRef>
+          </p:style>
+          <p:txBody>
+            <a:bodyPr rtlCol="0" anchor="ctr"/>
+            <a:lstStyle/>
+            <a:p>
+              <a:pPr algn="ctr"/>
+              <a:r>
+                <a:rPr kumimoji="1" lang="en-US" altLang="zh-TW" dirty="0">
+                  <a:solidFill>
+                    <a:schemeClr val="tx1"/>
+                  </a:solidFill>
+                </a:rPr>
+                <a:t>5</a:t>
+              </a:r>
+              <a:endParaRPr kumimoji="1" lang="zh-TW" altLang="en-US" dirty="0">
+                <a:solidFill>
+                  <a:schemeClr val="tx1"/>
+                </a:solidFill>
+              </a:endParaRPr>
+            </a:p>
+          </p:txBody>
+        </p:sp>
+        <p:cxnSp>
+          <p:nvCxnSpPr>
+            <p:cNvPr id="15" name="直線接點 14">
+              <a:extLst>
+                <a:ext uri="{FF2B5EF4-FFF2-40B4-BE49-F238E27FC236}">
+                  <a16:creationId xmlns:a16="http://schemas.microsoft.com/office/drawing/2014/main" id="{AC3D804A-A620-4896-79C4-BCCEBDC169D9}"/>
+                </a:ext>
+              </a:extLst>
+            </p:cNvPr>
+            <p:cNvCxnSpPr>
+              <a:cxnSpLocks/>
+              <a:stCxn id="8" idx="0"/>
+              <a:endCxn id="7" idx="3"/>
+            </p:cNvCxnSpPr>
+            <p:nvPr/>
+          </p:nvCxnSpPr>
+          <p:spPr>
+            <a:xfrm flipV="1">
+              <a:off x="1418150" y="3816013"/>
+              <a:ext cx="253637" cy="419687"/>
+            </a:xfrm>
+            <a:prstGeom prst="line">
+              <a:avLst/>
+            </a:prstGeom>
+          </p:spPr>
+          <p:style>
+            <a:lnRef idx="2">
+              <a:schemeClr val="accent1"/>
+            </a:lnRef>
+            <a:fillRef idx="0">
+              <a:schemeClr val="accent1"/>
+            </a:fillRef>
+            <a:effectRef idx="1">
+              <a:schemeClr val="accent1"/>
+            </a:effectRef>
+            <a:fontRef idx="minor">
+              <a:schemeClr val="tx1"/>
+            </a:fontRef>
+          </p:style>
+        </p:cxnSp>
+        <p:cxnSp>
+          <p:nvCxnSpPr>
+            <p:cNvPr id="18" name="直線接點 17">
+              <a:extLst>
+                <a:ext uri="{FF2B5EF4-FFF2-40B4-BE49-F238E27FC236}">
+                  <a16:creationId xmlns:a16="http://schemas.microsoft.com/office/drawing/2014/main" id="{2E1D717B-F47E-7FB8-E2F8-17FBD7382029}"/>
+                </a:ext>
+              </a:extLst>
+            </p:cNvPr>
+            <p:cNvCxnSpPr>
+              <a:cxnSpLocks/>
+              <a:stCxn id="9" idx="0"/>
+              <a:endCxn id="7" idx="5"/>
+            </p:cNvCxnSpPr>
+            <p:nvPr/>
+          </p:nvCxnSpPr>
+          <p:spPr>
+            <a:xfrm flipH="1" flipV="1">
+              <a:off x="2002713" y="3816013"/>
+              <a:ext cx="348887" cy="419687"/>
+            </a:xfrm>
+            <a:prstGeom prst="line">
+              <a:avLst/>
+            </a:prstGeom>
+          </p:spPr>
+          <p:style>
+            <a:lnRef idx="2">
+              <a:schemeClr val="accent1"/>
+            </a:lnRef>
+            <a:fillRef idx="0">
+              <a:schemeClr val="accent1"/>
+            </a:fillRef>
+            <a:effectRef idx="1">
+              <a:schemeClr val="accent1"/>
+            </a:effectRef>
+            <a:fontRef idx="minor">
+              <a:schemeClr val="tx1"/>
+            </a:fontRef>
+          </p:style>
+        </p:cxnSp>
+        <p:cxnSp>
+          <p:nvCxnSpPr>
+            <p:cNvPr id="22" name="直線接點 21">
+              <a:extLst>
+                <a:ext uri="{FF2B5EF4-FFF2-40B4-BE49-F238E27FC236}">
+                  <a16:creationId xmlns:a16="http://schemas.microsoft.com/office/drawing/2014/main" id="{F75C3BF1-23EA-D672-E5EC-9A191502973F}"/>
+                </a:ext>
+              </a:extLst>
+            </p:cNvPr>
+            <p:cNvCxnSpPr>
+              <a:cxnSpLocks/>
+              <a:stCxn id="10" idx="2"/>
+              <a:endCxn id="7" idx="6"/>
+            </p:cNvCxnSpPr>
+            <p:nvPr/>
+          </p:nvCxnSpPr>
+          <p:spPr>
+            <a:xfrm flipH="1">
+              <a:off x="2071250" y="3593400"/>
+              <a:ext cx="903600" cy="57150"/>
+            </a:xfrm>
+            <a:prstGeom prst="line">
+              <a:avLst/>
+            </a:prstGeom>
+          </p:spPr>
+          <p:style>
+            <a:lnRef idx="2">
+              <a:schemeClr val="accent1"/>
+            </a:lnRef>
+            <a:fillRef idx="0">
+              <a:schemeClr val="accent1"/>
+            </a:fillRef>
+            <a:effectRef idx="1">
+              <a:schemeClr val="accent1"/>
+            </a:effectRef>
+            <a:fontRef idx="minor">
+              <a:schemeClr val="tx1"/>
+            </a:fontRef>
+          </p:style>
+        </p:cxnSp>
+        <p:cxnSp>
+          <p:nvCxnSpPr>
+            <p:cNvPr id="25" name="直線接點 24">
+              <a:extLst>
+                <a:ext uri="{FF2B5EF4-FFF2-40B4-BE49-F238E27FC236}">
+                  <a16:creationId xmlns:a16="http://schemas.microsoft.com/office/drawing/2014/main" id="{FA022528-D4A7-8251-2103-606302C3E665}"/>
+                </a:ext>
+              </a:extLst>
+            </p:cNvPr>
+            <p:cNvCxnSpPr>
+              <a:cxnSpLocks/>
+              <a:stCxn id="10" idx="4"/>
+              <a:endCxn id="9" idx="6"/>
+            </p:cNvCxnSpPr>
+            <p:nvPr/>
+          </p:nvCxnSpPr>
+          <p:spPr>
+            <a:xfrm flipH="1">
+              <a:off x="2585600" y="3827400"/>
+              <a:ext cx="623250" cy="642300"/>
+            </a:xfrm>
+            <a:prstGeom prst="line">
+              <a:avLst/>
+            </a:prstGeom>
+          </p:spPr>
+          <p:style>
+            <a:lnRef idx="2">
+              <a:schemeClr val="accent1"/>
+            </a:lnRef>
+            <a:fillRef idx="0">
+              <a:schemeClr val="accent1"/>
+            </a:fillRef>
+            <a:effectRef idx="1">
+              <a:schemeClr val="accent1"/>
+            </a:effectRef>
+            <a:fontRef idx="minor">
+              <a:schemeClr val="tx1"/>
+            </a:fontRef>
+          </p:style>
+        </p:cxnSp>
+        <p:cxnSp>
+          <p:nvCxnSpPr>
+            <p:cNvPr id="28" name="直線接點 27">
+              <a:extLst>
+                <a:ext uri="{FF2B5EF4-FFF2-40B4-BE49-F238E27FC236}">
+                  <a16:creationId xmlns:a16="http://schemas.microsoft.com/office/drawing/2014/main" id="{1FDB41ED-952D-3491-FDC4-D7999395CD9F}"/>
+                </a:ext>
+              </a:extLst>
+            </p:cNvPr>
+            <p:cNvCxnSpPr>
+              <a:cxnSpLocks/>
+              <a:stCxn id="10" idx="5"/>
+              <a:endCxn id="12" idx="0"/>
+            </p:cNvCxnSpPr>
+            <p:nvPr/>
+          </p:nvCxnSpPr>
+          <p:spPr>
+            <a:xfrm>
+              <a:off x="3374313" y="3758863"/>
+              <a:ext cx="425087" cy="1143587"/>
+            </a:xfrm>
+            <a:prstGeom prst="line">
+              <a:avLst/>
+            </a:prstGeom>
+          </p:spPr>
+          <p:style>
+            <a:lnRef idx="2">
+              <a:schemeClr val="accent1"/>
+            </a:lnRef>
+            <a:fillRef idx="0">
+              <a:schemeClr val="accent1"/>
+            </a:fillRef>
+            <a:effectRef idx="1">
+              <a:schemeClr val="accent1"/>
+            </a:effectRef>
+            <a:fontRef idx="minor">
+              <a:schemeClr val="tx1"/>
+            </a:fontRef>
+          </p:style>
+        </p:cxnSp>
+        <p:cxnSp>
+          <p:nvCxnSpPr>
+            <p:cNvPr id="31" name="直線接點 30">
+              <a:extLst>
+                <a:ext uri="{FF2B5EF4-FFF2-40B4-BE49-F238E27FC236}">
+                  <a16:creationId xmlns:a16="http://schemas.microsoft.com/office/drawing/2014/main" id="{BC4F4EA9-5C5B-63CE-60C8-2D2187DB5532}"/>
+                </a:ext>
+              </a:extLst>
+            </p:cNvPr>
+            <p:cNvCxnSpPr>
+              <a:cxnSpLocks/>
+              <a:stCxn id="10" idx="6"/>
+              <a:endCxn id="11" idx="1"/>
+            </p:cNvCxnSpPr>
+            <p:nvPr/>
+          </p:nvCxnSpPr>
+          <p:spPr>
+            <a:xfrm>
+              <a:off x="3442850" y="3593400"/>
+              <a:ext cx="665437" cy="337749"/>
+            </a:xfrm>
+            <a:prstGeom prst="line">
+              <a:avLst/>
+            </a:prstGeom>
+          </p:spPr>
+          <p:style>
+            <a:lnRef idx="2">
+              <a:schemeClr val="accent1"/>
+            </a:lnRef>
+            <a:fillRef idx="0">
+              <a:schemeClr val="accent1"/>
+            </a:fillRef>
+            <a:effectRef idx="1">
+              <a:schemeClr val="accent1"/>
+            </a:effectRef>
+            <a:fontRef idx="minor">
+              <a:schemeClr val="tx1"/>
+            </a:fontRef>
+          </p:style>
+        </p:cxnSp>
+        <p:cxnSp>
+          <p:nvCxnSpPr>
+            <p:cNvPr id="34" name="直線接點 33">
+              <a:extLst>
+                <a:ext uri="{FF2B5EF4-FFF2-40B4-BE49-F238E27FC236}">
+                  <a16:creationId xmlns:a16="http://schemas.microsoft.com/office/drawing/2014/main" id="{7CD7721C-2D5E-6953-9058-9FCC0B5C39AA}"/>
+                </a:ext>
+              </a:extLst>
+            </p:cNvPr>
+            <p:cNvCxnSpPr>
+              <a:cxnSpLocks/>
+              <a:stCxn id="13" idx="2"/>
+              <a:endCxn id="11" idx="0"/>
+            </p:cNvCxnSpPr>
+            <p:nvPr/>
+          </p:nvCxnSpPr>
+          <p:spPr>
+            <a:xfrm flipH="1">
+              <a:off x="4273750" y="3498150"/>
+              <a:ext cx="282250" cy="364462"/>
+            </a:xfrm>
+            <a:prstGeom prst="line">
+              <a:avLst/>
+            </a:prstGeom>
+          </p:spPr>
+          <p:style>
+            <a:lnRef idx="2">
+              <a:schemeClr val="accent1"/>
+            </a:lnRef>
+            <a:fillRef idx="0">
+              <a:schemeClr val="accent1"/>
+            </a:fillRef>
+            <a:effectRef idx="1">
+              <a:schemeClr val="accent1"/>
+            </a:effectRef>
+            <a:fontRef idx="minor">
+              <a:schemeClr val="tx1"/>
+            </a:fontRef>
+          </p:style>
+        </p:cxnSp>
+        <p:cxnSp>
+          <p:nvCxnSpPr>
+            <p:cNvPr id="38" name="直線接點 37">
+              <a:extLst>
+                <a:ext uri="{FF2B5EF4-FFF2-40B4-BE49-F238E27FC236}">
+                  <a16:creationId xmlns:a16="http://schemas.microsoft.com/office/drawing/2014/main" id="{AAE37FA2-82D6-DBD5-2C64-28FA56973E68}"/>
+                </a:ext>
+              </a:extLst>
+            </p:cNvPr>
+            <p:cNvCxnSpPr>
+              <a:cxnSpLocks/>
+              <a:stCxn id="10" idx="7"/>
+              <a:endCxn id="13" idx="1"/>
+            </p:cNvCxnSpPr>
+            <p:nvPr/>
+          </p:nvCxnSpPr>
+          <p:spPr>
+            <a:xfrm flipV="1">
+              <a:off x="3374313" y="3332687"/>
+              <a:ext cx="1250224" cy="95250"/>
+            </a:xfrm>
+            <a:prstGeom prst="line">
+              <a:avLst/>
+            </a:prstGeom>
+          </p:spPr>
+          <p:style>
+            <a:lnRef idx="2">
+              <a:schemeClr val="accent1"/>
+            </a:lnRef>
+            <a:fillRef idx="0">
+              <a:schemeClr val="accent1"/>
+            </a:fillRef>
+            <a:effectRef idx="1">
+              <a:schemeClr val="accent1"/>
+            </a:effectRef>
+            <a:fontRef idx="minor">
+              <a:schemeClr val="tx1"/>
+            </a:fontRef>
+          </p:style>
+        </p:cxnSp>
+      </p:grpSp>
+      <p:sp>
+        <p:nvSpPr>
+          <p:cNvPr id="43" name="文字方塊 42">
+            <a:extLst>
+              <a:ext uri="{FF2B5EF4-FFF2-40B4-BE49-F238E27FC236}">
+                <a16:creationId xmlns:a16="http://schemas.microsoft.com/office/drawing/2014/main" id="{F9AFC592-8319-8CDC-6B06-429418EF621A}"/>
+              </a:ext>
+            </a:extLst>
+          </p:cNvPr>
+          <p:cNvSpPr txBox="1"/>
+          <p:nvPr/>
+        </p:nvSpPr>
+        <p:spPr>
+          <a:xfrm>
+            <a:off x="5179450" y="900918"/>
+            <a:ext cx="2020432" cy="307777"/>
+          </a:xfrm>
+          <a:prstGeom prst="rect">
+            <a:avLst/>
+          </a:prstGeom>
+          <a:noFill/>
+        </p:spPr>
+        <p:txBody>
+          <a:bodyPr wrap="square">
+            <a:spAutoFit/>
+          </a:bodyPr>
+          <a:lstStyle/>
+          <a:p>
+            <a:r>
+              <a:rPr lang="zh-TW" altLang="en-US" sz="1400" dirty="0">
+                <a:highlight>
+                  <a:srgbClr val="FFFF00"/>
+                </a:highlight>
+              </a:rPr>
+              <a:t>graph_</a:t>
+            </a:r>
+            <a:r>
+              <a:rPr lang="en-US" altLang="zh-TW" sz="1400" dirty="0">
+                <a:highlight>
+                  <a:srgbClr val="FFFF00"/>
+                </a:highlight>
+              </a:rPr>
+              <a:t>dfs_</a:t>
+            </a:r>
+            <a:r>
+              <a:rPr lang="zh-TW" altLang="en-US" sz="1400" dirty="0">
+                <a:highlight>
+                  <a:srgbClr val="FFFF00"/>
+                </a:highlight>
+              </a:rPr>
+              <a:t>traverse.txt</a:t>
+            </a:r>
+          </a:p>
+        </p:txBody>
+      </p:sp>
+    </p:spTree>
+    <p:extLst>
+      <p:ext uri="{BB962C8B-B14F-4D97-AF65-F5344CB8AC3E}">
+        <p14:creationId xmlns:p14="http://schemas.microsoft.com/office/powerpoint/2010/main" val="2057927280"/>
+      </p:ext>
+    </p:extLst>
+  </p:cSld>
+  <p:clrMapOvr>
+    <a:masterClrMapping/>
+  </p:clrMapOvr>
+</p:sld>
+</file>
+
+<file path=ppt/slides/slide7.xml><?xml version="1.0" encoding="utf-8"?>
+<p:sld xmlns:a="http://schemas.openxmlformats.org/drawingml/2006/main" xmlns:r="http://schemas.openxmlformats.org/officeDocument/2006/relationships" xmlns:p="http://schemas.openxmlformats.org/presentationml/2006/main">
+  <p:cSld>
+    <p:spTree>
+      <p:nvGrpSpPr>
+        <p:cNvPr id="1" name="">
+          <a:extLst>
+            <a:ext uri="{FF2B5EF4-FFF2-40B4-BE49-F238E27FC236}">
+              <a16:creationId xmlns:a16="http://schemas.microsoft.com/office/drawing/2014/main" id="{F8DDDA74-FF0F-A40A-D95D-18524F231C90}"/>
+            </a:ext>
+          </a:extLst>
+        </p:cNvPr>
+        <p:cNvGrpSpPr/>
+        <p:nvPr/>
+      </p:nvGrpSpPr>
+      <p:grpSpPr>
+        <a:xfrm>
+          <a:off x="0" y="0"/>
+          <a:ext cx="0" cy="0"/>
+          <a:chOff x="0" y="0"/>
+          <a:chExt cx="0" cy="0"/>
+        </a:xfrm>
+      </p:grpSpPr>
+      <p:sp>
+        <p:nvSpPr>
+          <p:cNvPr id="5" name="文字方塊 4">
+            <a:extLst>
+              <a:ext uri="{FF2B5EF4-FFF2-40B4-BE49-F238E27FC236}">
+                <a16:creationId xmlns:a16="http://schemas.microsoft.com/office/drawing/2014/main" id="{B94D4F55-D625-D49B-388B-3909A5D703C6}"/>
+              </a:ext>
+            </a:extLst>
+          </p:cNvPr>
+          <p:cNvSpPr txBox="1"/>
+          <p:nvPr/>
+        </p:nvSpPr>
+        <p:spPr>
+          <a:xfrm>
+            <a:off x="5379237" y="1208695"/>
+            <a:ext cx="1238250" cy="5447645"/>
+          </a:xfrm>
+          <a:prstGeom prst="rect">
+            <a:avLst/>
+          </a:prstGeom>
+          <a:noFill/>
+        </p:spPr>
+        <p:txBody>
+          <a:bodyPr wrap="square">
+            <a:spAutoFit/>
+          </a:bodyPr>
+          <a:lstStyle/>
+          <a:p>
+            <a:r>
+              <a:rPr lang="en-US" altLang="zh-TW" sz="1200" dirty="0"/>
+              <a:t>9 28</a:t>
+            </a:r>
+          </a:p>
+          <a:p>
+            <a:r>
+              <a:rPr lang="en-US" altLang="zh-TW" sz="1200" dirty="0"/>
+              <a:t>0 1 4</a:t>
+            </a:r>
+          </a:p>
+          <a:p>
+            <a:r>
+              <a:rPr lang="en-US" altLang="zh-TW" sz="1200" dirty="0"/>
+              <a:t>0 7 8</a:t>
+            </a:r>
+          </a:p>
+          <a:p>
+            <a:r>
+              <a:rPr lang="en-US" altLang="zh-TW" sz="1200" dirty="0"/>
+              <a:t>1 0 4</a:t>
+            </a:r>
+          </a:p>
+          <a:p>
+            <a:r>
+              <a:rPr lang="en-US" altLang="zh-TW" sz="1200" dirty="0"/>
+              <a:t>1 7 11</a:t>
+            </a:r>
+          </a:p>
+          <a:p>
+            <a:r>
+              <a:rPr lang="en-US" altLang="zh-TW" sz="1200" dirty="0"/>
+              <a:t>1 2 8</a:t>
+            </a:r>
+          </a:p>
+          <a:p>
+            <a:r>
+              <a:rPr lang="en-US" altLang="zh-TW" sz="1200" dirty="0"/>
+              <a:t>2 1 8</a:t>
+            </a:r>
+          </a:p>
+          <a:p>
+            <a:r>
+              <a:rPr lang="en-US" altLang="zh-TW" sz="1200" dirty="0"/>
+              <a:t>2 8 2</a:t>
+            </a:r>
+          </a:p>
+          <a:p>
+            <a:r>
+              <a:rPr lang="en-US" altLang="zh-TW" sz="1200" dirty="0"/>
+              <a:t>2 5 4</a:t>
+            </a:r>
+          </a:p>
+          <a:p>
+            <a:r>
+              <a:rPr lang="en-US" altLang="zh-TW" sz="1200" dirty="0"/>
+              <a:t>2 3 7</a:t>
+            </a:r>
+          </a:p>
+          <a:p>
+            <a:r>
+              <a:rPr lang="en-US" altLang="zh-TW" sz="1200" dirty="0"/>
+              <a:t>3 2 7</a:t>
+            </a:r>
+          </a:p>
+          <a:p>
+            <a:r>
+              <a:rPr lang="en-US" altLang="zh-TW" sz="1200" dirty="0"/>
+              <a:t>3 5 14</a:t>
+            </a:r>
+          </a:p>
+          <a:p>
+            <a:r>
+              <a:rPr lang="en-US" altLang="zh-TW" sz="1200" dirty="0"/>
+              <a:t>3 4 9</a:t>
+            </a:r>
+          </a:p>
+          <a:p>
+            <a:r>
+              <a:rPr lang="en-US" altLang="zh-TW" sz="1200" dirty="0"/>
+              <a:t>4 3 9</a:t>
+            </a:r>
+          </a:p>
+          <a:p>
+            <a:r>
+              <a:rPr lang="en-US" altLang="zh-TW" sz="1200" dirty="0"/>
+              <a:t>4 5 10</a:t>
+            </a:r>
+          </a:p>
+          <a:p>
+            <a:r>
+              <a:rPr lang="en-US" altLang="zh-TW" sz="1200" dirty="0"/>
+              <a:t>5 6 2</a:t>
+            </a:r>
+          </a:p>
+          <a:p>
+            <a:r>
+              <a:rPr lang="en-US" altLang="zh-TW" sz="1200" dirty="0"/>
+              <a:t>5 2 4</a:t>
+            </a:r>
+          </a:p>
+          <a:p>
+            <a:r>
+              <a:rPr lang="en-US" altLang="zh-TW" sz="1200" dirty="0"/>
+              <a:t>5 3 14</a:t>
+            </a:r>
+          </a:p>
+          <a:p>
+            <a:r>
+              <a:rPr lang="en-US" altLang="zh-TW" sz="1200" dirty="0"/>
+              <a:t>5 4 10</a:t>
+            </a:r>
+          </a:p>
+          <a:p>
+            <a:r>
+              <a:rPr lang="en-US" altLang="zh-TW" sz="1200" dirty="0"/>
+              <a:t>6 7 1</a:t>
+            </a:r>
+          </a:p>
+          <a:p>
+            <a:r>
+              <a:rPr lang="en-US" altLang="zh-TW" sz="1200" dirty="0"/>
+              <a:t>6 8 6</a:t>
+            </a:r>
+          </a:p>
+          <a:p>
+            <a:r>
+              <a:rPr lang="en-US" altLang="zh-TW" sz="1200" dirty="0"/>
+              <a:t>6 5 2</a:t>
+            </a:r>
+          </a:p>
+          <a:p>
+            <a:r>
+              <a:rPr lang="en-US" altLang="zh-TW" sz="1200" dirty="0"/>
+              <a:t>7 0 8</a:t>
+            </a:r>
+          </a:p>
+          <a:p>
+            <a:r>
+              <a:rPr lang="en-US" altLang="zh-TW" sz="1200" dirty="0"/>
+              <a:t>7 1 11</a:t>
+            </a:r>
+          </a:p>
+          <a:p>
+            <a:r>
+              <a:rPr lang="en-US" altLang="zh-TW" sz="1200" dirty="0"/>
+              <a:t>7 8 7</a:t>
+            </a:r>
+          </a:p>
+          <a:p>
+            <a:r>
+              <a:rPr lang="en-US" altLang="zh-TW" sz="1200" dirty="0"/>
+              <a:t>7 6 1</a:t>
+            </a:r>
+          </a:p>
+          <a:p>
+            <a:r>
+              <a:rPr lang="en-US" altLang="zh-TW" sz="1200" dirty="0"/>
+              <a:t>8 7 7</a:t>
+            </a:r>
+          </a:p>
+          <a:p>
+            <a:r>
+              <a:rPr lang="en-US" altLang="zh-TW" sz="1200" dirty="0"/>
+              <a:t>8 2 2</a:t>
+            </a:r>
+          </a:p>
+          <a:p>
+            <a:r>
+              <a:rPr lang="en-US" altLang="zh-TW" sz="1200" dirty="0"/>
+              <a:t>8 6 6</a:t>
+            </a:r>
+            <a:endParaRPr lang="zh-TW" altLang="en-US" sz="1200" dirty="0"/>
+          </a:p>
+        </p:txBody>
+      </p:sp>
+      <p:sp>
+        <p:nvSpPr>
+          <p:cNvPr id="43" name="文字方塊 42">
+            <a:extLst>
+              <a:ext uri="{FF2B5EF4-FFF2-40B4-BE49-F238E27FC236}">
+                <a16:creationId xmlns:a16="http://schemas.microsoft.com/office/drawing/2014/main" id="{6C312BE6-4763-A813-3214-7DB92EF96C43}"/>
+              </a:ext>
+            </a:extLst>
+          </p:cNvPr>
+          <p:cNvSpPr txBox="1"/>
+          <p:nvPr/>
+        </p:nvSpPr>
+        <p:spPr>
+          <a:xfrm>
+            <a:off x="5179450" y="900918"/>
+            <a:ext cx="2020432" cy="307777"/>
+          </a:xfrm>
+          <a:prstGeom prst="rect">
+            <a:avLst/>
+          </a:prstGeom>
+          <a:noFill/>
+        </p:spPr>
+        <p:txBody>
+          <a:bodyPr wrap="square">
+            <a:spAutoFit/>
+          </a:bodyPr>
+          <a:lstStyle/>
+          <a:p>
+            <a:r>
+              <a:rPr lang="en-US" altLang="zh-TW" sz="1400" dirty="0">
+                <a:highlight>
+                  <a:srgbClr val="FFFF00"/>
+                </a:highlight>
+              </a:rPr>
+              <a:t>graph_mcst_kruskal.txt</a:t>
+            </a:r>
+            <a:endParaRPr lang="zh-TW" altLang="en-US" sz="1400" dirty="0">
+              <a:highlight>
+                <a:srgbClr val="FFFF00"/>
+              </a:highlight>
+            </a:endParaRPr>
+          </a:p>
+        </p:txBody>
+      </p:sp>
+      <p:pic>
+        <p:nvPicPr>
+          <p:cNvPr id="3" name="圖片 2" descr="一張含有 圖表, 行, 圓形, 螢幕擷取畫面 的圖片&#10;&#10;自動產生的描述">
+            <a:extLst>
+              <a:ext uri="{FF2B5EF4-FFF2-40B4-BE49-F238E27FC236}">
+                <a16:creationId xmlns:a16="http://schemas.microsoft.com/office/drawing/2014/main" id="{AB1C8BAD-81F2-7273-5D81-E551B4D9E065}"/>
+              </a:ext>
+            </a:extLst>
+          </p:cNvPr>
+          <p:cNvPicPr>
+            <a:picLocks noChangeAspect="1"/>
+          </p:cNvPicPr>
+          <p:nvPr/>
+        </p:nvPicPr>
+        <p:blipFill>
+          <a:blip r:embed="rId2"/>
+          <a:stretch>
+            <a:fillRect/>
+          </a:stretch>
+        </p:blipFill>
+        <p:spPr>
+          <a:xfrm>
+            <a:off x="420674" y="1054806"/>
+            <a:ext cx="4762500" cy="2400300"/>
+          </a:xfrm>
+          <a:prstGeom prst="rect">
+            <a:avLst/>
+          </a:prstGeom>
+        </p:spPr>
+      </p:pic>
+    </p:spTree>
+    <p:extLst>
+      <p:ext uri="{BB962C8B-B14F-4D97-AF65-F5344CB8AC3E}">
+        <p14:creationId xmlns:p14="http://schemas.microsoft.com/office/powerpoint/2010/main" val="4055268121"/>
       </p:ext>
     </p:extLst>
   </p:cSld>
